--- a/midterm_project/T2_Midterm_Powerpoint_Final.pptx
+++ b/midterm_project/T2_Midterm_Powerpoint_Final.pptx
@@ -181,7 +181,7 @@
             </a:lvl1pPr>
           </a:lstStyle>
           <a:p>
-            <a:endParaRPr lang="en-PK"/>
+            <a:endParaRPr lang="x-none"/>
           </a:p>
         </p:txBody>
       </p:sp>
@@ -213,10 +213,10 @@
           </a:lstStyle>
           <a:p>
             <a:fld id="{7D2BFAAD-88BE-4156-9F08-CD3C420154A8}" type="datetimeFigureOut">
-              <a:rPr lang="en-PK" smtClean="0"/>
-              <a:t>03/09/2022</a:t>
+              <a:rPr lang="x-none" smtClean="0"/>
+              <a:t>3/9/2022</a:t>
             </a:fld>
-            <a:endParaRPr lang="en-PK"/>
+            <a:endParaRPr lang="x-none"/>
           </a:p>
         </p:txBody>
       </p:sp>
@@ -249,7 +249,7 @@
           <a:bodyPr vert="horz" lIns="91440" tIns="45720" rIns="91440" bIns="45720" rtlCol="0" anchor="ctr"/>
           <a:lstStyle/>
           <a:p>
-            <a:endParaRPr lang="en-PK"/>
+            <a:endParaRPr lang="x-none"/>
           </a:p>
         </p:txBody>
       </p:sp>
@@ -309,7 +309,7 @@
               <a:rPr lang="en-US"/>
               <a:t>Fifth level</a:t>
             </a:r>
-            <a:endParaRPr lang="en-PK"/>
+            <a:endParaRPr lang="x-none"/>
           </a:p>
         </p:txBody>
       </p:sp>
@@ -340,7 +340,7 @@
             </a:lvl1pPr>
           </a:lstStyle>
           <a:p>
-            <a:endParaRPr lang="en-PK"/>
+            <a:endParaRPr lang="x-none"/>
           </a:p>
         </p:txBody>
       </p:sp>
@@ -372,10 +372,10 @@
           </a:lstStyle>
           <a:p>
             <a:fld id="{5768DE6E-99F6-41F6-8592-6D777A61B7DE}" type="slidenum">
-              <a:rPr lang="en-PK" smtClean="0"/>
+              <a:rPr lang="x-none" smtClean="0"/>
               <a:t>‹#›</a:t>
             </a:fld>
-            <a:endParaRPr lang="en-PK"/>
+            <a:endParaRPr lang="x-none"/>
           </a:p>
         </p:txBody>
       </p:sp>
@@ -504,7 +504,7 @@
           <p:cNvPr id="2" name="Título 1">
             <a:extLst>
               <a:ext uri="{FF2B5EF4-FFF2-40B4-BE49-F238E27FC236}">
-                <a16:creationId xmlns:a16="http://schemas.microsoft.com/office/drawing/2014/main" id="{3CD9013C-9D6B-4120-AEFD-F87A06C7AFC2}"/>
+                <a16:creationId xmlns:a16="http://schemas.microsoft.com/office/drawing/2014/main" xmlns="" id="{3CD9013C-9D6B-4120-AEFD-F87A06C7AFC2}"/>
               </a:ext>
             </a:extLst>
           </p:cNvPr>
@@ -542,7 +542,7 @@
           <p:cNvPr id="3" name="Subtítulo 2">
             <a:extLst>
               <a:ext uri="{FF2B5EF4-FFF2-40B4-BE49-F238E27FC236}">
-                <a16:creationId xmlns:a16="http://schemas.microsoft.com/office/drawing/2014/main" id="{0670E343-871E-4911-90BE-8700F8C12EF2}"/>
+                <a16:creationId xmlns:a16="http://schemas.microsoft.com/office/drawing/2014/main" xmlns="" id="{0670E343-871E-4911-90BE-8700F8C12EF2}"/>
               </a:ext>
             </a:extLst>
           </p:cNvPr>
@@ -613,7 +613,7 @@
           <p:cNvPr id="4" name="Marcador de fecha 3">
             <a:extLst>
               <a:ext uri="{FF2B5EF4-FFF2-40B4-BE49-F238E27FC236}">
-                <a16:creationId xmlns:a16="http://schemas.microsoft.com/office/drawing/2014/main" id="{77F8298B-64A8-4965-85F6-7BCCEF96FD21}"/>
+                <a16:creationId xmlns:a16="http://schemas.microsoft.com/office/drawing/2014/main" xmlns="" id="{77F8298B-64A8-4965-85F6-7BCCEF96FD21}"/>
               </a:ext>
             </a:extLst>
           </p:cNvPr>
@@ -642,7 +642,7 @@
           <p:cNvPr id="5" name="Marcador de pie de página 4">
             <a:extLst>
               <a:ext uri="{FF2B5EF4-FFF2-40B4-BE49-F238E27FC236}">
-                <a16:creationId xmlns:a16="http://schemas.microsoft.com/office/drawing/2014/main" id="{69F1D070-62EE-41B9-A2BC-51124B235197}"/>
+                <a16:creationId xmlns:a16="http://schemas.microsoft.com/office/drawing/2014/main" xmlns="" id="{69F1D070-62EE-41B9-A2BC-51124B235197}"/>
               </a:ext>
             </a:extLst>
           </p:cNvPr>
@@ -667,7 +667,7 @@
           <p:cNvPr id="6" name="Marcador de número de diapositiva 5">
             <a:extLst>
               <a:ext uri="{FF2B5EF4-FFF2-40B4-BE49-F238E27FC236}">
-                <a16:creationId xmlns:a16="http://schemas.microsoft.com/office/drawing/2014/main" id="{8EBDF236-5B8C-4046-85E4-A39D6B9628D3}"/>
+                <a16:creationId xmlns:a16="http://schemas.microsoft.com/office/drawing/2014/main" xmlns="" id="{8EBDF236-5B8C-4046-85E4-A39D6B9628D3}"/>
               </a:ext>
             </a:extLst>
           </p:cNvPr>
@@ -738,7 +738,7 @@
           <p:cNvPr id="2" name="Título 1">
             <a:extLst>
               <a:ext uri="{FF2B5EF4-FFF2-40B4-BE49-F238E27FC236}">
-                <a16:creationId xmlns:a16="http://schemas.microsoft.com/office/drawing/2014/main" id="{74D012CF-EA25-42A6-B85B-9353604E3F0D}"/>
+                <a16:creationId xmlns:a16="http://schemas.microsoft.com/office/drawing/2014/main" xmlns="" id="{74D012CF-EA25-42A6-B85B-9353604E3F0D}"/>
               </a:ext>
             </a:extLst>
           </p:cNvPr>
@@ -767,7 +767,7 @@
           <p:cNvPr id="3" name="Marcador de texto vertical 2">
             <a:extLst>
               <a:ext uri="{FF2B5EF4-FFF2-40B4-BE49-F238E27FC236}">
-                <a16:creationId xmlns:a16="http://schemas.microsoft.com/office/drawing/2014/main" id="{52851B7F-BD1E-4129-A32E-6EBBEC800870}"/>
+                <a16:creationId xmlns:a16="http://schemas.microsoft.com/office/drawing/2014/main" xmlns="" id="{52851B7F-BD1E-4129-A32E-6EBBEC800870}"/>
               </a:ext>
             </a:extLst>
           </p:cNvPr>
@@ -825,7 +825,7 @@
           <p:cNvPr id="4" name="Marcador de fecha 3">
             <a:extLst>
               <a:ext uri="{FF2B5EF4-FFF2-40B4-BE49-F238E27FC236}">
-                <a16:creationId xmlns:a16="http://schemas.microsoft.com/office/drawing/2014/main" id="{F22C675F-BDC7-4A0E-A6B0-543CBA2B949B}"/>
+                <a16:creationId xmlns:a16="http://schemas.microsoft.com/office/drawing/2014/main" xmlns="" id="{F22C675F-BDC7-4A0E-A6B0-543CBA2B949B}"/>
               </a:ext>
             </a:extLst>
           </p:cNvPr>
@@ -854,7 +854,7 @@
           <p:cNvPr id="5" name="Marcador de pie de página 4">
             <a:extLst>
               <a:ext uri="{FF2B5EF4-FFF2-40B4-BE49-F238E27FC236}">
-                <a16:creationId xmlns:a16="http://schemas.microsoft.com/office/drawing/2014/main" id="{747203C8-50CE-4576-95BB-4120122C7431}"/>
+                <a16:creationId xmlns:a16="http://schemas.microsoft.com/office/drawing/2014/main" xmlns="" id="{747203C8-50CE-4576-95BB-4120122C7431}"/>
               </a:ext>
             </a:extLst>
           </p:cNvPr>
@@ -879,7 +879,7 @@
           <p:cNvPr id="6" name="Marcador de número de diapositiva 5">
             <a:extLst>
               <a:ext uri="{FF2B5EF4-FFF2-40B4-BE49-F238E27FC236}">
-                <a16:creationId xmlns:a16="http://schemas.microsoft.com/office/drawing/2014/main" id="{B0F0CDC4-0B07-40C0-AC0F-972FB2567EB1}"/>
+                <a16:creationId xmlns:a16="http://schemas.microsoft.com/office/drawing/2014/main" xmlns="" id="{B0F0CDC4-0B07-40C0-AC0F-972FB2567EB1}"/>
               </a:ext>
             </a:extLst>
           </p:cNvPr>
@@ -950,7 +950,7 @@
           <p:cNvPr id="2" name="Título vertical 1">
             <a:extLst>
               <a:ext uri="{FF2B5EF4-FFF2-40B4-BE49-F238E27FC236}">
-                <a16:creationId xmlns:a16="http://schemas.microsoft.com/office/drawing/2014/main" id="{365E0EBB-2764-4984-A2A5-EE40AA2DA25D}"/>
+                <a16:creationId xmlns:a16="http://schemas.microsoft.com/office/drawing/2014/main" xmlns="" id="{365E0EBB-2764-4984-A2A5-EE40AA2DA25D}"/>
               </a:ext>
             </a:extLst>
           </p:cNvPr>
@@ -984,7 +984,7 @@
           <p:cNvPr id="3" name="Marcador de texto vertical 2">
             <a:extLst>
               <a:ext uri="{FF2B5EF4-FFF2-40B4-BE49-F238E27FC236}">
-                <a16:creationId xmlns:a16="http://schemas.microsoft.com/office/drawing/2014/main" id="{66EEB21D-8F43-42B3-B785-035CB32D7096}"/>
+                <a16:creationId xmlns:a16="http://schemas.microsoft.com/office/drawing/2014/main" xmlns="" id="{66EEB21D-8F43-42B3-B785-035CB32D7096}"/>
               </a:ext>
             </a:extLst>
           </p:cNvPr>
@@ -1047,7 +1047,7 @@
           <p:cNvPr id="4" name="Marcador de fecha 3">
             <a:extLst>
               <a:ext uri="{FF2B5EF4-FFF2-40B4-BE49-F238E27FC236}">
-                <a16:creationId xmlns:a16="http://schemas.microsoft.com/office/drawing/2014/main" id="{7621CFCF-0364-42CA-A21F-AB9A53423AEC}"/>
+                <a16:creationId xmlns:a16="http://schemas.microsoft.com/office/drawing/2014/main" xmlns="" id="{7621CFCF-0364-42CA-A21F-AB9A53423AEC}"/>
               </a:ext>
             </a:extLst>
           </p:cNvPr>
@@ -1076,7 +1076,7 @@
           <p:cNvPr id="5" name="Marcador de pie de página 4">
             <a:extLst>
               <a:ext uri="{FF2B5EF4-FFF2-40B4-BE49-F238E27FC236}">
-                <a16:creationId xmlns:a16="http://schemas.microsoft.com/office/drawing/2014/main" id="{905508AE-794A-4970-8380-F933109896AC}"/>
+                <a16:creationId xmlns:a16="http://schemas.microsoft.com/office/drawing/2014/main" xmlns="" id="{905508AE-794A-4970-8380-F933109896AC}"/>
               </a:ext>
             </a:extLst>
           </p:cNvPr>
@@ -1101,7 +1101,7 @@
           <p:cNvPr id="6" name="Marcador de número de diapositiva 5">
             <a:extLst>
               <a:ext uri="{FF2B5EF4-FFF2-40B4-BE49-F238E27FC236}">
-                <a16:creationId xmlns:a16="http://schemas.microsoft.com/office/drawing/2014/main" id="{1931570D-2B6F-467D-9751-B044420F22CC}"/>
+                <a16:creationId xmlns:a16="http://schemas.microsoft.com/office/drawing/2014/main" xmlns="" id="{1931570D-2B6F-467D-9751-B044420F22CC}"/>
               </a:ext>
             </a:extLst>
           </p:cNvPr>
@@ -1172,7 +1172,7 @@
           <p:cNvPr id="2" name="Título 1">
             <a:extLst>
               <a:ext uri="{FF2B5EF4-FFF2-40B4-BE49-F238E27FC236}">
-                <a16:creationId xmlns:a16="http://schemas.microsoft.com/office/drawing/2014/main" id="{A866DFD6-7614-414B-A80F-8DB6B58A90F7}"/>
+                <a16:creationId xmlns:a16="http://schemas.microsoft.com/office/drawing/2014/main" xmlns="" id="{A866DFD6-7614-414B-A80F-8DB6B58A90F7}"/>
               </a:ext>
             </a:extLst>
           </p:cNvPr>
@@ -1201,7 +1201,7 @@
           <p:cNvPr id="3" name="Marcador de contenido 2">
             <a:extLst>
               <a:ext uri="{FF2B5EF4-FFF2-40B4-BE49-F238E27FC236}">
-                <a16:creationId xmlns:a16="http://schemas.microsoft.com/office/drawing/2014/main" id="{216787D7-B125-45AB-8B26-E85DDD84A8A8}"/>
+                <a16:creationId xmlns:a16="http://schemas.microsoft.com/office/drawing/2014/main" xmlns="" id="{216787D7-B125-45AB-8B26-E85DDD84A8A8}"/>
               </a:ext>
             </a:extLst>
           </p:cNvPr>
@@ -1259,7 +1259,7 @@
           <p:cNvPr id="4" name="Marcador de fecha 3">
             <a:extLst>
               <a:ext uri="{FF2B5EF4-FFF2-40B4-BE49-F238E27FC236}">
-                <a16:creationId xmlns:a16="http://schemas.microsoft.com/office/drawing/2014/main" id="{B2B5C12F-3179-4D82-943E-3093F6BAEDCE}"/>
+                <a16:creationId xmlns:a16="http://schemas.microsoft.com/office/drawing/2014/main" xmlns="" id="{B2B5C12F-3179-4D82-943E-3093F6BAEDCE}"/>
               </a:ext>
             </a:extLst>
           </p:cNvPr>
@@ -1288,7 +1288,7 @@
           <p:cNvPr id="5" name="Marcador de pie de página 4">
             <a:extLst>
               <a:ext uri="{FF2B5EF4-FFF2-40B4-BE49-F238E27FC236}">
-                <a16:creationId xmlns:a16="http://schemas.microsoft.com/office/drawing/2014/main" id="{B2991EBD-72FC-4A35-A58F-F0AC0AF12629}"/>
+                <a16:creationId xmlns:a16="http://schemas.microsoft.com/office/drawing/2014/main" xmlns="" id="{B2991EBD-72FC-4A35-A58F-F0AC0AF12629}"/>
               </a:ext>
             </a:extLst>
           </p:cNvPr>
@@ -1313,7 +1313,7 @@
           <p:cNvPr id="6" name="Marcador de número de diapositiva 5">
             <a:extLst>
               <a:ext uri="{FF2B5EF4-FFF2-40B4-BE49-F238E27FC236}">
-                <a16:creationId xmlns:a16="http://schemas.microsoft.com/office/drawing/2014/main" id="{31A47635-129C-44CF-927C-9B8098A3037B}"/>
+                <a16:creationId xmlns:a16="http://schemas.microsoft.com/office/drawing/2014/main" xmlns="" id="{31A47635-129C-44CF-927C-9B8098A3037B}"/>
               </a:ext>
             </a:extLst>
           </p:cNvPr>
@@ -1384,7 +1384,7 @@
           <p:cNvPr id="2" name="Título 1">
             <a:extLst>
               <a:ext uri="{FF2B5EF4-FFF2-40B4-BE49-F238E27FC236}">
-                <a16:creationId xmlns:a16="http://schemas.microsoft.com/office/drawing/2014/main" id="{F15DF5AF-BEFC-44DD-BB25-27A4BEAE4BC8}"/>
+                <a16:creationId xmlns:a16="http://schemas.microsoft.com/office/drawing/2014/main" xmlns="" id="{F15DF5AF-BEFC-44DD-BB25-27A4BEAE4BC8}"/>
               </a:ext>
             </a:extLst>
           </p:cNvPr>
@@ -1422,7 +1422,7 @@
           <p:cNvPr id="3" name="Marcador de texto 2">
             <a:extLst>
               <a:ext uri="{FF2B5EF4-FFF2-40B4-BE49-F238E27FC236}">
-                <a16:creationId xmlns:a16="http://schemas.microsoft.com/office/drawing/2014/main" id="{7E978BF5-5829-4515-9607-CE5124A69DCC}"/>
+                <a16:creationId xmlns:a16="http://schemas.microsoft.com/office/drawing/2014/main" xmlns="" id="{7E978BF5-5829-4515-9607-CE5124A69DCC}"/>
               </a:ext>
             </a:extLst>
           </p:cNvPr>
@@ -1547,7 +1547,7 @@
           <p:cNvPr id="4" name="Marcador de fecha 3">
             <a:extLst>
               <a:ext uri="{FF2B5EF4-FFF2-40B4-BE49-F238E27FC236}">
-                <a16:creationId xmlns:a16="http://schemas.microsoft.com/office/drawing/2014/main" id="{D7FBB905-BEA0-4765-B9AE-99EDE49ECD0F}"/>
+                <a16:creationId xmlns:a16="http://schemas.microsoft.com/office/drawing/2014/main" xmlns="" id="{D7FBB905-BEA0-4765-B9AE-99EDE49ECD0F}"/>
               </a:ext>
             </a:extLst>
           </p:cNvPr>
@@ -1576,7 +1576,7 @@
           <p:cNvPr id="5" name="Marcador de pie de página 4">
             <a:extLst>
               <a:ext uri="{FF2B5EF4-FFF2-40B4-BE49-F238E27FC236}">
-                <a16:creationId xmlns:a16="http://schemas.microsoft.com/office/drawing/2014/main" id="{FF472687-5EF3-42B0-BF4A-00662399C5C2}"/>
+                <a16:creationId xmlns:a16="http://schemas.microsoft.com/office/drawing/2014/main" xmlns="" id="{FF472687-5EF3-42B0-BF4A-00662399C5C2}"/>
               </a:ext>
             </a:extLst>
           </p:cNvPr>
@@ -1601,7 +1601,7 @@
           <p:cNvPr id="6" name="Marcador de número de diapositiva 5">
             <a:extLst>
               <a:ext uri="{FF2B5EF4-FFF2-40B4-BE49-F238E27FC236}">
-                <a16:creationId xmlns:a16="http://schemas.microsoft.com/office/drawing/2014/main" id="{7F2BD7B1-F9B0-44F8-BFFF-DFD7348BC0CE}"/>
+                <a16:creationId xmlns:a16="http://schemas.microsoft.com/office/drawing/2014/main" xmlns="" id="{7F2BD7B1-F9B0-44F8-BFFF-DFD7348BC0CE}"/>
               </a:ext>
             </a:extLst>
           </p:cNvPr>
@@ -1672,7 +1672,7 @@
           <p:cNvPr id="2" name="Título 1">
             <a:extLst>
               <a:ext uri="{FF2B5EF4-FFF2-40B4-BE49-F238E27FC236}">
-                <a16:creationId xmlns:a16="http://schemas.microsoft.com/office/drawing/2014/main" id="{E633DA3B-E026-4B3D-A547-FDC6E657038F}"/>
+                <a16:creationId xmlns:a16="http://schemas.microsoft.com/office/drawing/2014/main" xmlns="" id="{E633DA3B-E026-4B3D-A547-FDC6E657038F}"/>
               </a:ext>
             </a:extLst>
           </p:cNvPr>
@@ -1701,7 +1701,7 @@
           <p:cNvPr id="3" name="Marcador de contenido 2">
             <a:extLst>
               <a:ext uri="{FF2B5EF4-FFF2-40B4-BE49-F238E27FC236}">
-                <a16:creationId xmlns:a16="http://schemas.microsoft.com/office/drawing/2014/main" id="{D38238AE-1A04-44F9-8CFE-37B185129E74}"/>
+                <a16:creationId xmlns:a16="http://schemas.microsoft.com/office/drawing/2014/main" xmlns="" id="{D38238AE-1A04-44F9-8CFE-37B185129E74}"/>
               </a:ext>
             </a:extLst>
           </p:cNvPr>
@@ -1764,7 +1764,7 @@
           <p:cNvPr id="4" name="Marcador de contenido 3">
             <a:extLst>
               <a:ext uri="{FF2B5EF4-FFF2-40B4-BE49-F238E27FC236}">
-                <a16:creationId xmlns:a16="http://schemas.microsoft.com/office/drawing/2014/main" id="{F019FE38-A9D1-409D-BDD1-F6532A0D5D91}"/>
+                <a16:creationId xmlns:a16="http://schemas.microsoft.com/office/drawing/2014/main" xmlns="" id="{F019FE38-A9D1-409D-BDD1-F6532A0D5D91}"/>
               </a:ext>
             </a:extLst>
           </p:cNvPr>
@@ -1827,7 +1827,7 @@
           <p:cNvPr id="5" name="Marcador de fecha 4">
             <a:extLst>
               <a:ext uri="{FF2B5EF4-FFF2-40B4-BE49-F238E27FC236}">
-                <a16:creationId xmlns:a16="http://schemas.microsoft.com/office/drawing/2014/main" id="{9A3E61C7-3F1E-4E81-8818-D7C947DE0D5C}"/>
+                <a16:creationId xmlns:a16="http://schemas.microsoft.com/office/drawing/2014/main" xmlns="" id="{9A3E61C7-3F1E-4E81-8818-D7C947DE0D5C}"/>
               </a:ext>
             </a:extLst>
           </p:cNvPr>
@@ -1856,7 +1856,7 @@
           <p:cNvPr id="6" name="Marcador de pie de página 5">
             <a:extLst>
               <a:ext uri="{FF2B5EF4-FFF2-40B4-BE49-F238E27FC236}">
-                <a16:creationId xmlns:a16="http://schemas.microsoft.com/office/drawing/2014/main" id="{986269AB-F9CB-4093-9F24-63C3D00C5367}"/>
+                <a16:creationId xmlns:a16="http://schemas.microsoft.com/office/drawing/2014/main" xmlns="" id="{986269AB-F9CB-4093-9F24-63C3D00C5367}"/>
               </a:ext>
             </a:extLst>
           </p:cNvPr>
@@ -1881,7 +1881,7 @@
           <p:cNvPr id="7" name="Marcador de número de diapositiva 6">
             <a:extLst>
               <a:ext uri="{FF2B5EF4-FFF2-40B4-BE49-F238E27FC236}">
-                <a16:creationId xmlns:a16="http://schemas.microsoft.com/office/drawing/2014/main" id="{FF76AF5C-7809-4754-9BD2-183A5467F787}"/>
+                <a16:creationId xmlns:a16="http://schemas.microsoft.com/office/drawing/2014/main" xmlns="" id="{FF76AF5C-7809-4754-9BD2-183A5467F787}"/>
               </a:ext>
             </a:extLst>
           </p:cNvPr>
@@ -1952,7 +1952,7 @@
           <p:cNvPr id="2" name="Título 1">
             <a:extLst>
               <a:ext uri="{FF2B5EF4-FFF2-40B4-BE49-F238E27FC236}">
-                <a16:creationId xmlns:a16="http://schemas.microsoft.com/office/drawing/2014/main" id="{BF085533-036D-4330-967A-2B37C2A917B8}"/>
+                <a16:creationId xmlns:a16="http://schemas.microsoft.com/office/drawing/2014/main" xmlns="" id="{BF085533-036D-4330-967A-2B37C2A917B8}"/>
               </a:ext>
             </a:extLst>
           </p:cNvPr>
@@ -1986,7 +1986,7 @@
           <p:cNvPr id="3" name="Marcador de texto 2">
             <a:extLst>
               <a:ext uri="{FF2B5EF4-FFF2-40B4-BE49-F238E27FC236}">
-                <a16:creationId xmlns:a16="http://schemas.microsoft.com/office/drawing/2014/main" id="{C956581E-E2C7-4D08-80B2-40D3CF201452}"/>
+                <a16:creationId xmlns:a16="http://schemas.microsoft.com/office/drawing/2014/main" xmlns="" id="{C956581E-E2C7-4D08-80B2-40D3CF201452}"/>
               </a:ext>
             </a:extLst>
           </p:cNvPr>
@@ -2057,7 +2057,7 @@
           <p:cNvPr id="4" name="Marcador de contenido 3">
             <a:extLst>
               <a:ext uri="{FF2B5EF4-FFF2-40B4-BE49-F238E27FC236}">
-                <a16:creationId xmlns:a16="http://schemas.microsoft.com/office/drawing/2014/main" id="{CD116A92-FB2D-40A8-A828-E32DA1E40D8F}"/>
+                <a16:creationId xmlns:a16="http://schemas.microsoft.com/office/drawing/2014/main" xmlns="" id="{CD116A92-FB2D-40A8-A828-E32DA1E40D8F}"/>
               </a:ext>
             </a:extLst>
           </p:cNvPr>
@@ -2120,7 +2120,7 @@
           <p:cNvPr id="5" name="Marcador de texto 4">
             <a:extLst>
               <a:ext uri="{FF2B5EF4-FFF2-40B4-BE49-F238E27FC236}">
-                <a16:creationId xmlns:a16="http://schemas.microsoft.com/office/drawing/2014/main" id="{4F8838C9-4E9F-48F6-B43E-5C050C8E7C51}"/>
+                <a16:creationId xmlns:a16="http://schemas.microsoft.com/office/drawing/2014/main" xmlns="" id="{4F8838C9-4E9F-48F6-B43E-5C050C8E7C51}"/>
               </a:ext>
             </a:extLst>
           </p:cNvPr>
@@ -2191,7 +2191,7 @@
           <p:cNvPr id="6" name="Marcador de contenido 5">
             <a:extLst>
               <a:ext uri="{FF2B5EF4-FFF2-40B4-BE49-F238E27FC236}">
-                <a16:creationId xmlns:a16="http://schemas.microsoft.com/office/drawing/2014/main" id="{24EBC1A5-2C49-4D26-AD80-45959CF0E31B}"/>
+                <a16:creationId xmlns:a16="http://schemas.microsoft.com/office/drawing/2014/main" xmlns="" id="{24EBC1A5-2C49-4D26-AD80-45959CF0E31B}"/>
               </a:ext>
             </a:extLst>
           </p:cNvPr>
@@ -2254,7 +2254,7 @@
           <p:cNvPr id="7" name="Marcador de fecha 6">
             <a:extLst>
               <a:ext uri="{FF2B5EF4-FFF2-40B4-BE49-F238E27FC236}">
-                <a16:creationId xmlns:a16="http://schemas.microsoft.com/office/drawing/2014/main" id="{45949852-96BC-41FE-9E75-DE3811B5280D}"/>
+                <a16:creationId xmlns:a16="http://schemas.microsoft.com/office/drawing/2014/main" xmlns="" id="{45949852-96BC-41FE-9E75-DE3811B5280D}"/>
               </a:ext>
             </a:extLst>
           </p:cNvPr>
@@ -2283,7 +2283,7 @@
           <p:cNvPr id="8" name="Marcador de pie de página 7">
             <a:extLst>
               <a:ext uri="{FF2B5EF4-FFF2-40B4-BE49-F238E27FC236}">
-                <a16:creationId xmlns:a16="http://schemas.microsoft.com/office/drawing/2014/main" id="{7583766A-A92A-4EC6-ABF6-ADC3BB26FA99}"/>
+                <a16:creationId xmlns:a16="http://schemas.microsoft.com/office/drawing/2014/main" xmlns="" id="{7583766A-A92A-4EC6-ABF6-ADC3BB26FA99}"/>
               </a:ext>
             </a:extLst>
           </p:cNvPr>
@@ -2308,7 +2308,7 @@
           <p:cNvPr id="9" name="Marcador de número de diapositiva 8">
             <a:extLst>
               <a:ext uri="{FF2B5EF4-FFF2-40B4-BE49-F238E27FC236}">
-                <a16:creationId xmlns:a16="http://schemas.microsoft.com/office/drawing/2014/main" id="{3651D5F4-E293-49DD-995F-E79D0C79C2D5}"/>
+                <a16:creationId xmlns:a16="http://schemas.microsoft.com/office/drawing/2014/main" xmlns="" id="{3651D5F4-E293-49DD-995F-E79D0C79C2D5}"/>
               </a:ext>
             </a:extLst>
           </p:cNvPr>
@@ -2379,7 +2379,7 @@
           <p:cNvPr id="2" name="Título 1">
             <a:extLst>
               <a:ext uri="{FF2B5EF4-FFF2-40B4-BE49-F238E27FC236}">
-                <a16:creationId xmlns:a16="http://schemas.microsoft.com/office/drawing/2014/main" id="{65616552-477D-432A-9784-990DC9A12F27}"/>
+                <a16:creationId xmlns:a16="http://schemas.microsoft.com/office/drawing/2014/main" xmlns="" id="{65616552-477D-432A-9784-990DC9A12F27}"/>
               </a:ext>
             </a:extLst>
           </p:cNvPr>
@@ -2408,7 +2408,7 @@
           <p:cNvPr id="3" name="Marcador de fecha 2">
             <a:extLst>
               <a:ext uri="{FF2B5EF4-FFF2-40B4-BE49-F238E27FC236}">
-                <a16:creationId xmlns:a16="http://schemas.microsoft.com/office/drawing/2014/main" id="{E8D16685-C692-4251-83AE-2DAC0CD80FBD}"/>
+                <a16:creationId xmlns:a16="http://schemas.microsoft.com/office/drawing/2014/main" xmlns="" id="{E8D16685-C692-4251-83AE-2DAC0CD80FBD}"/>
               </a:ext>
             </a:extLst>
           </p:cNvPr>
@@ -2437,7 +2437,7 @@
           <p:cNvPr id="4" name="Marcador de pie de página 3">
             <a:extLst>
               <a:ext uri="{FF2B5EF4-FFF2-40B4-BE49-F238E27FC236}">
-                <a16:creationId xmlns:a16="http://schemas.microsoft.com/office/drawing/2014/main" id="{7A90A989-B5AC-4A43-87CA-EE6F47A13E48}"/>
+                <a16:creationId xmlns:a16="http://schemas.microsoft.com/office/drawing/2014/main" xmlns="" id="{7A90A989-B5AC-4A43-87CA-EE6F47A13E48}"/>
               </a:ext>
             </a:extLst>
           </p:cNvPr>
@@ -2462,7 +2462,7 @@
           <p:cNvPr id="5" name="Marcador de número de diapositiva 4">
             <a:extLst>
               <a:ext uri="{FF2B5EF4-FFF2-40B4-BE49-F238E27FC236}">
-                <a16:creationId xmlns:a16="http://schemas.microsoft.com/office/drawing/2014/main" id="{ABFB1B81-DFB5-43D2-BB19-742A27E5503E}"/>
+                <a16:creationId xmlns:a16="http://schemas.microsoft.com/office/drawing/2014/main" xmlns="" id="{ABFB1B81-DFB5-43D2-BB19-742A27E5503E}"/>
               </a:ext>
             </a:extLst>
           </p:cNvPr>
@@ -2533,7 +2533,7 @@
           <p:cNvPr id="2" name="Marcador de fecha 1">
             <a:extLst>
               <a:ext uri="{FF2B5EF4-FFF2-40B4-BE49-F238E27FC236}">
-                <a16:creationId xmlns:a16="http://schemas.microsoft.com/office/drawing/2014/main" id="{6CFE65C6-1C67-419E-9F40-1B5D86F3CA5B}"/>
+                <a16:creationId xmlns:a16="http://schemas.microsoft.com/office/drawing/2014/main" xmlns="" id="{6CFE65C6-1C67-419E-9F40-1B5D86F3CA5B}"/>
               </a:ext>
             </a:extLst>
           </p:cNvPr>
@@ -2562,7 +2562,7 @@
           <p:cNvPr id="3" name="Marcador de pie de página 2">
             <a:extLst>
               <a:ext uri="{FF2B5EF4-FFF2-40B4-BE49-F238E27FC236}">
-                <a16:creationId xmlns:a16="http://schemas.microsoft.com/office/drawing/2014/main" id="{0BE7246D-2EBF-4D68-9399-A3D5724C456D}"/>
+                <a16:creationId xmlns:a16="http://schemas.microsoft.com/office/drawing/2014/main" xmlns="" id="{0BE7246D-2EBF-4D68-9399-A3D5724C456D}"/>
               </a:ext>
             </a:extLst>
           </p:cNvPr>
@@ -2587,7 +2587,7 @@
           <p:cNvPr id="4" name="Marcador de número de diapositiva 3">
             <a:extLst>
               <a:ext uri="{FF2B5EF4-FFF2-40B4-BE49-F238E27FC236}">
-                <a16:creationId xmlns:a16="http://schemas.microsoft.com/office/drawing/2014/main" id="{0F56BE3D-EFF4-443F-AA07-54E28ABAE955}"/>
+                <a16:creationId xmlns:a16="http://schemas.microsoft.com/office/drawing/2014/main" xmlns="" id="{0F56BE3D-EFF4-443F-AA07-54E28ABAE955}"/>
               </a:ext>
             </a:extLst>
           </p:cNvPr>
@@ -2658,7 +2658,7 @@
           <p:cNvPr id="2" name="Título 1">
             <a:extLst>
               <a:ext uri="{FF2B5EF4-FFF2-40B4-BE49-F238E27FC236}">
-                <a16:creationId xmlns:a16="http://schemas.microsoft.com/office/drawing/2014/main" id="{469DCDCF-A2EF-4C4E-84F7-559D57B91B35}"/>
+                <a16:creationId xmlns:a16="http://schemas.microsoft.com/office/drawing/2014/main" xmlns="" id="{469DCDCF-A2EF-4C4E-84F7-559D57B91B35}"/>
               </a:ext>
             </a:extLst>
           </p:cNvPr>
@@ -2696,7 +2696,7 @@
           <p:cNvPr id="3" name="Marcador de contenido 2">
             <a:extLst>
               <a:ext uri="{FF2B5EF4-FFF2-40B4-BE49-F238E27FC236}">
-                <a16:creationId xmlns:a16="http://schemas.microsoft.com/office/drawing/2014/main" id="{2EB33D3E-0133-4A4A-9B9C-7BD696666638}"/>
+                <a16:creationId xmlns:a16="http://schemas.microsoft.com/office/drawing/2014/main" xmlns="" id="{2EB33D3E-0133-4A4A-9B9C-7BD696666638}"/>
               </a:ext>
             </a:extLst>
           </p:cNvPr>
@@ -2787,7 +2787,7 @@
           <p:cNvPr id="4" name="Marcador de texto 3">
             <a:extLst>
               <a:ext uri="{FF2B5EF4-FFF2-40B4-BE49-F238E27FC236}">
-                <a16:creationId xmlns:a16="http://schemas.microsoft.com/office/drawing/2014/main" id="{7E12381F-A411-4D70-BA11-54B8B909D2E8}"/>
+                <a16:creationId xmlns:a16="http://schemas.microsoft.com/office/drawing/2014/main" xmlns="" id="{7E12381F-A411-4D70-BA11-54B8B909D2E8}"/>
               </a:ext>
             </a:extLst>
           </p:cNvPr>
@@ -2858,7 +2858,7 @@
           <p:cNvPr id="5" name="Marcador de fecha 4">
             <a:extLst>
               <a:ext uri="{FF2B5EF4-FFF2-40B4-BE49-F238E27FC236}">
-                <a16:creationId xmlns:a16="http://schemas.microsoft.com/office/drawing/2014/main" id="{DE81F1F6-EE80-4BD6-97E9-E5B709870C1C}"/>
+                <a16:creationId xmlns:a16="http://schemas.microsoft.com/office/drawing/2014/main" xmlns="" id="{DE81F1F6-EE80-4BD6-97E9-E5B709870C1C}"/>
               </a:ext>
             </a:extLst>
           </p:cNvPr>
@@ -2887,7 +2887,7 @@
           <p:cNvPr id="6" name="Marcador de pie de página 5">
             <a:extLst>
               <a:ext uri="{FF2B5EF4-FFF2-40B4-BE49-F238E27FC236}">
-                <a16:creationId xmlns:a16="http://schemas.microsoft.com/office/drawing/2014/main" id="{426A529B-8ED9-4046-B72B-F49916C2060E}"/>
+                <a16:creationId xmlns:a16="http://schemas.microsoft.com/office/drawing/2014/main" xmlns="" id="{426A529B-8ED9-4046-B72B-F49916C2060E}"/>
               </a:ext>
             </a:extLst>
           </p:cNvPr>
@@ -2912,7 +2912,7 @@
           <p:cNvPr id="7" name="Marcador de número de diapositiva 6">
             <a:extLst>
               <a:ext uri="{FF2B5EF4-FFF2-40B4-BE49-F238E27FC236}">
-                <a16:creationId xmlns:a16="http://schemas.microsoft.com/office/drawing/2014/main" id="{DA0A2D5F-0EA4-4361-BD18-563B5F16ED77}"/>
+                <a16:creationId xmlns:a16="http://schemas.microsoft.com/office/drawing/2014/main" xmlns="" id="{DA0A2D5F-0EA4-4361-BD18-563B5F16ED77}"/>
               </a:ext>
             </a:extLst>
           </p:cNvPr>
@@ -2983,7 +2983,7 @@
           <p:cNvPr id="2" name="Título 1">
             <a:extLst>
               <a:ext uri="{FF2B5EF4-FFF2-40B4-BE49-F238E27FC236}">
-                <a16:creationId xmlns:a16="http://schemas.microsoft.com/office/drawing/2014/main" id="{2AC76C83-1824-4016-B196-6635307F89C5}"/>
+                <a16:creationId xmlns:a16="http://schemas.microsoft.com/office/drawing/2014/main" xmlns="" id="{2AC76C83-1824-4016-B196-6635307F89C5}"/>
               </a:ext>
             </a:extLst>
           </p:cNvPr>
@@ -3021,7 +3021,7 @@
           <p:cNvPr id="3" name="Marcador de posición de imagen 2">
             <a:extLst>
               <a:ext uri="{FF2B5EF4-FFF2-40B4-BE49-F238E27FC236}">
-                <a16:creationId xmlns:a16="http://schemas.microsoft.com/office/drawing/2014/main" id="{4D9316D1-43AE-4075-8282-0D6ED587DDD4}"/>
+                <a16:creationId xmlns:a16="http://schemas.microsoft.com/office/drawing/2014/main" xmlns="" id="{4D9316D1-43AE-4075-8282-0D6ED587DDD4}"/>
               </a:ext>
             </a:extLst>
           </p:cNvPr>
@@ -3092,7 +3092,7 @@
           <p:cNvPr id="4" name="Marcador de texto 3">
             <a:extLst>
               <a:ext uri="{FF2B5EF4-FFF2-40B4-BE49-F238E27FC236}">
-                <a16:creationId xmlns:a16="http://schemas.microsoft.com/office/drawing/2014/main" id="{C5D880D5-AEC5-42CB-9856-65111F897B3E}"/>
+                <a16:creationId xmlns:a16="http://schemas.microsoft.com/office/drawing/2014/main" xmlns="" id="{C5D880D5-AEC5-42CB-9856-65111F897B3E}"/>
               </a:ext>
             </a:extLst>
           </p:cNvPr>
@@ -3163,7 +3163,7 @@
           <p:cNvPr id="5" name="Marcador de fecha 4">
             <a:extLst>
               <a:ext uri="{FF2B5EF4-FFF2-40B4-BE49-F238E27FC236}">
-                <a16:creationId xmlns:a16="http://schemas.microsoft.com/office/drawing/2014/main" id="{C49BC0D9-B7FF-4016-8788-489A1D4F84DD}"/>
+                <a16:creationId xmlns:a16="http://schemas.microsoft.com/office/drawing/2014/main" xmlns="" id="{C49BC0D9-B7FF-4016-8788-489A1D4F84DD}"/>
               </a:ext>
             </a:extLst>
           </p:cNvPr>
@@ -3192,7 +3192,7 @@
           <p:cNvPr id="6" name="Marcador de pie de página 5">
             <a:extLst>
               <a:ext uri="{FF2B5EF4-FFF2-40B4-BE49-F238E27FC236}">
-                <a16:creationId xmlns:a16="http://schemas.microsoft.com/office/drawing/2014/main" id="{284E7E2E-83D7-4336-AF06-40803C858641}"/>
+                <a16:creationId xmlns:a16="http://schemas.microsoft.com/office/drawing/2014/main" xmlns="" id="{284E7E2E-83D7-4336-AF06-40803C858641}"/>
               </a:ext>
             </a:extLst>
           </p:cNvPr>
@@ -3217,7 +3217,7 @@
           <p:cNvPr id="7" name="Marcador de número de diapositiva 6">
             <a:extLst>
               <a:ext uri="{FF2B5EF4-FFF2-40B4-BE49-F238E27FC236}">
-                <a16:creationId xmlns:a16="http://schemas.microsoft.com/office/drawing/2014/main" id="{8F950270-0771-4A11-A8E2-D024D9D2A1C0}"/>
+                <a16:creationId xmlns:a16="http://schemas.microsoft.com/office/drawing/2014/main" xmlns="" id="{8F950270-0771-4A11-A8E2-D024D9D2A1C0}"/>
               </a:ext>
             </a:extLst>
           </p:cNvPr>
@@ -3293,7 +3293,7 @@
           <p:cNvPr id="2" name="Marcador de título 1">
             <a:extLst>
               <a:ext uri="{FF2B5EF4-FFF2-40B4-BE49-F238E27FC236}">
-                <a16:creationId xmlns:a16="http://schemas.microsoft.com/office/drawing/2014/main" id="{5A7C6AD5-ED7C-4970-94A1-574CC44AA5C7}"/>
+                <a16:creationId xmlns:a16="http://schemas.microsoft.com/office/drawing/2014/main" xmlns="" id="{5A7C6AD5-ED7C-4970-94A1-574CC44AA5C7}"/>
               </a:ext>
             </a:extLst>
           </p:cNvPr>
@@ -3332,7 +3332,7 @@
           <p:cNvPr id="3" name="Marcador de texto 2">
             <a:extLst>
               <a:ext uri="{FF2B5EF4-FFF2-40B4-BE49-F238E27FC236}">
-                <a16:creationId xmlns:a16="http://schemas.microsoft.com/office/drawing/2014/main" id="{423159FA-3EBD-4E97-B11A-8B32A9F79A83}"/>
+                <a16:creationId xmlns:a16="http://schemas.microsoft.com/office/drawing/2014/main" xmlns="" id="{423159FA-3EBD-4E97-B11A-8B32A9F79A83}"/>
               </a:ext>
             </a:extLst>
           </p:cNvPr>
@@ -3400,7 +3400,7 @@
           <p:cNvPr id="4" name="Marcador de fecha 3">
             <a:extLst>
               <a:ext uri="{FF2B5EF4-FFF2-40B4-BE49-F238E27FC236}">
-                <a16:creationId xmlns:a16="http://schemas.microsoft.com/office/drawing/2014/main" id="{1833FC71-01A2-4435-9F46-C81265F54E6C}"/>
+                <a16:creationId xmlns:a16="http://schemas.microsoft.com/office/drawing/2014/main" xmlns="" id="{1833FC71-01A2-4435-9F46-C81265F54E6C}"/>
               </a:ext>
             </a:extLst>
           </p:cNvPr>
@@ -3447,7 +3447,7 @@
           <p:cNvPr id="5" name="Marcador de pie de página 4">
             <a:extLst>
               <a:ext uri="{FF2B5EF4-FFF2-40B4-BE49-F238E27FC236}">
-                <a16:creationId xmlns:a16="http://schemas.microsoft.com/office/drawing/2014/main" id="{7B97D9C0-5090-446B-B58F-0702D68AC89C}"/>
+                <a16:creationId xmlns:a16="http://schemas.microsoft.com/office/drawing/2014/main" xmlns="" id="{7B97D9C0-5090-446B-B58F-0702D68AC89C}"/>
               </a:ext>
             </a:extLst>
           </p:cNvPr>
@@ -3490,7 +3490,7 @@
           <p:cNvPr id="6" name="Marcador de número de diapositiva 5">
             <a:extLst>
               <a:ext uri="{FF2B5EF4-FFF2-40B4-BE49-F238E27FC236}">
-                <a16:creationId xmlns:a16="http://schemas.microsoft.com/office/drawing/2014/main" id="{323868E6-F827-4DB1-B36A-E513024F7D21}"/>
+                <a16:creationId xmlns:a16="http://schemas.microsoft.com/office/drawing/2014/main" xmlns="" id="{323868E6-F827-4DB1-B36A-E513024F7D21}"/>
               </a:ext>
             </a:extLst>
           </p:cNvPr>
@@ -3885,7 +3885,7 @@
           <p:cNvPr id="8" name="Title 1">
             <a:extLst>
               <a:ext uri="{FF2B5EF4-FFF2-40B4-BE49-F238E27FC236}">
-                <a16:creationId xmlns:a16="http://schemas.microsoft.com/office/drawing/2014/main" id="{2A63AA7F-5772-4352-BFEE-F60D9B7A4536}"/>
+                <a16:creationId xmlns:a16="http://schemas.microsoft.com/office/drawing/2014/main" xmlns="" id="{2A63AA7F-5772-4352-BFEE-F60D9B7A4536}"/>
               </a:ext>
             </a:extLst>
           </p:cNvPr>
@@ -3925,7 +3925,7 @@
           <p:cNvPr id="9" name="Subtitle 2">
             <a:extLst>
               <a:ext uri="{FF2B5EF4-FFF2-40B4-BE49-F238E27FC236}">
-                <a16:creationId xmlns:a16="http://schemas.microsoft.com/office/drawing/2014/main" id="{B58A8D68-3E61-45ED-A10C-6C6894DB002B}"/>
+                <a16:creationId xmlns:a16="http://schemas.microsoft.com/office/drawing/2014/main" xmlns="" id="{B58A8D68-3E61-45ED-A10C-6C6894DB002B}"/>
               </a:ext>
             </a:extLst>
           </p:cNvPr>
@@ -4300,7 +4300,7 @@
           <p:cNvPr id="8" name="TextBox 7">
             <a:extLst>
               <a:ext uri="{FF2B5EF4-FFF2-40B4-BE49-F238E27FC236}">
-                <a16:creationId xmlns:a16="http://schemas.microsoft.com/office/drawing/2014/main" id="{056C2211-7106-4FD6-A571-CE08A366EB4F}"/>
+                <a16:creationId xmlns:a16="http://schemas.microsoft.com/office/drawing/2014/main" xmlns="" id="{056C2211-7106-4FD6-A571-CE08A366EB4F}"/>
               </a:ext>
             </a:extLst>
           </p:cNvPr>
@@ -4340,7 +4340,7 @@
           <p:cNvPr id="15" name="Slide Number Placeholder 9">
             <a:extLst>
               <a:ext uri="{FF2B5EF4-FFF2-40B4-BE49-F238E27FC236}">
-                <a16:creationId xmlns:a16="http://schemas.microsoft.com/office/drawing/2014/main" id="{44B92F3E-9EEB-40B6-9E7E-72BB10D39728}"/>
+                <a16:creationId xmlns:a16="http://schemas.microsoft.com/office/drawing/2014/main" xmlns="" id="{44B92F3E-9EEB-40B6-9E7E-72BB10D39728}"/>
               </a:ext>
             </a:extLst>
           </p:cNvPr>
@@ -4380,7 +4380,7 @@
           <p:cNvPr id="6" name="Picture 5">
             <a:extLst>
               <a:ext uri="{FF2B5EF4-FFF2-40B4-BE49-F238E27FC236}">
-                <a16:creationId xmlns:a16="http://schemas.microsoft.com/office/drawing/2014/main" id="{7A3BB772-9143-423D-A8D1-02A11A5232AA}"/>
+                <a16:creationId xmlns:a16="http://schemas.microsoft.com/office/drawing/2014/main" xmlns="" id="{7A3BB772-9143-423D-A8D1-02A11A5232AA}"/>
               </a:ext>
             </a:extLst>
           </p:cNvPr>
@@ -4416,7 +4416,7 @@
           <p:cNvPr id="7" name="Picture 6">
             <a:extLst>
               <a:ext uri="{FF2B5EF4-FFF2-40B4-BE49-F238E27FC236}">
-                <a16:creationId xmlns:a16="http://schemas.microsoft.com/office/drawing/2014/main" id="{FE215206-4A99-47C2-94B7-D147251DE9F1}"/>
+                <a16:creationId xmlns:a16="http://schemas.microsoft.com/office/drawing/2014/main" xmlns="" id="{FE215206-4A99-47C2-94B7-D147251DE9F1}"/>
               </a:ext>
             </a:extLst>
           </p:cNvPr>
@@ -4452,7 +4452,7 @@
           <p:cNvPr id="9" name="Picture 8">
             <a:extLst>
               <a:ext uri="{FF2B5EF4-FFF2-40B4-BE49-F238E27FC236}">
-                <a16:creationId xmlns:a16="http://schemas.microsoft.com/office/drawing/2014/main" id="{5C3BCBA4-7524-4C92-B733-3EC6BFF15081}"/>
+                <a16:creationId xmlns:a16="http://schemas.microsoft.com/office/drawing/2014/main" xmlns="" id="{5C3BCBA4-7524-4C92-B733-3EC6BFF15081}"/>
               </a:ext>
             </a:extLst>
           </p:cNvPr>
@@ -4488,7 +4488,7 @@
           <p:cNvPr id="13" name="TextBox 12">
             <a:extLst>
               <a:ext uri="{FF2B5EF4-FFF2-40B4-BE49-F238E27FC236}">
-                <a16:creationId xmlns:a16="http://schemas.microsoft.com/office/drawing/2014/main" id="{2D48D52E-AEA1-4911-AB93-E5CD583B5990}"/>
+                <a16:creationId xmlns:a16="http://schemas.microsoft.com/office/drawing/2014/main" xmlns="" id="{2D48D52E-AEA1-4911-AB93-E5CD583B5990}"/>
               </a:ext>
             </a:extLst>
           </p:cNvPr>
@@ -4586,7 +4586,7 @@
           <p:cNvPr id="14" name="TextBox 13">
             <a:extLst>
               <a:ext uri="{FF2B5EF4-FFF2-40B4-BE49-F238E27FC236}">
-                <a16:creationId xmlns:a16="http://schemas.microsoft.com/office/drawing/2014/main" id="{C3492617-FC43-487A-824A-EBA39103A27E}"/>
+                <a16:creationId xmlns:a16="http://schemas.microsoft.com/office/drawing/2014/main" xmlns="" id="{C3492617-FC43-487A-824A-EBA39103A27E}"/>
               </a:ext>
             </a:extLst>
           </p:cNvPr>
@@ -4684,7 +4684,7 @@
           <p:cNvPr id="16" name="TextBox 15">
             <a:extLst>
               <a:ext uri="{FF2B5EF4-FFF2-40B4-BE49-F238E27FC236}">
-                <a16:creationId xmlns:a16="http://schemas.microsoft.com/office/drawing/2014/main" id="{2E341A63-E89D-4C4A-A3DE-0A294666FE2B}"/>
+                <a16:creationId xmlns:a16="http://schemas.microsoft.com/office/drawing/2014/main" xmlns="" id="{2E341A63-E89D-4C4A-A3DE-0A294666FE2B}"/>
               </a:ext>
             </a:extLst>
           </p:cNvPr>
@@ -5413,7 +5413,7 @@
           <p:cNvPr id="8" name="TextBox 7">
             <a:extLst>
               <a:ext uri="{FF2B5EF4-FFF2-40B4-BE49-F238E27FC236}">
-                <a16:creationId xmlns:a16="http://schemas.microsoft.com/office/drawing/2014/main" id="{056C2211-7106-4FD6-A571-CE08A366EB4F}"/>
+                <a16:creationId xmlns:a16="http://schemas.microsoft.com/office/drawing/2014/main" xmlns="" id="{056C2211-7106-4FD6-A571-CE08A366EB4F}"/>
               </a:ext>
             </a:extLst>
           </p:cNvPr>
@@ -5453,7 +5453,7 @@
           <p:cNvPr id="15" name="Slide Number Placeholder 9">
             <a:extLst>
               <a:ext uri="{FF2B5EF4-FFF2-40B4-BE49-F238E27FC236}">
-                <a16:creationId xmlns:a16="http://schemas.microsoft.com/office/drawing/2014/main" id="{44B92F3E-9EEB-40B6-9E7E-72BB10D39728}"/>
+                <a16:creationId xmlns:a16="http://schemas.microsoft.com/office/drawing/2014/main" xmlns="" id="{44B92F3E-9EEB-40B6-9E7E-72BB10D39728}"/>
               </a:ext>
             </a:extLst>
           </p:cNvPr>
@@ -5493,7 +5493,7 @@
           <p:cNvPr id="11" name="Picture 10">
             <a:extLst>
               <a:ext uri="{FF2B5EF4-FFF2-40B4-BE49-F238E27FC236}">
-                <a16:creationId xmlns:a16="http://schemas.microsoft.com/office/drawing/2014/main" id="{E02BBB1C-5428-49E2-8185-59A6AB05D7BB}"/>
+                <a16:creationId xmlns:a16="http://schemas.microsoft.com/office/drawing/2014/main" xmlns="" id="{E02BBB1C-5428-49E2-8185-59A6AB05D7BB}"/>
               </a:ext>
             </a:extLst>
           </p:cNvPr>
@@ -5529,7 +5529,7 @@
           <p:cNvPr id="17" name="TextBox 16">
             <a:extLst>
               <a:ext uri="{FF2B5EF4-FFF2-40B4-BE49-F238E27FC236}">
-                <a16:creationId xmlns:a16="http://schemas.microsoft.com/office/drawing/2014/main" id="{6DB108F4-7611-43D3-9C98-7EB694387BAA}"/>
+                <a16:creationId xmlns:a16="http://schemas.microsoft.com/office/drawing/2014/main" xmlns="" id="{6DB108F4-7611-43D3-9C98-7EB694387BAA}"/>
               </a:ext>
             </a:extLst>
           </p:cNvPr>
@@ -5627,7 +5627,7 @@
           <p:cNvPr id="18" name="TextBox 17">
             <a:extLst>
               <a:ext uri="{FF2B5EF4-FFF2-40B4-BE49-F238E27FC236}">
-                <a16:creationId xmlns:a16="http://schemas.microsoft.com/office/drawing/2014/main" id="{A52823C7-C9A4-4042-AAFE-63E0B5C3A8D9}"/>
+                <a16:creationId xmlns:a16="http://schemas.microsoft.com/office/drawing/2014/main" xmlns="" id="{A52823C7-C9A4-4042-AAFE-63E0B5C3A8D9}"/>
               </a:ext>
             </a:extLst>
           </p:cNvPr>
@@ -5725,7 +5725,7 @@
           <p:cNvPr id="19" name="TextBox 18">
             <a:extLst>
               <a:ext uri="{FF2B5EF4-FFF2-40B4-BE49-F238E27FC236}">
-                <a16:creationId xmlns:a16="http://schemas.microsoft.com/office/drawing/2014/main" id="{9974B717-EA42-4EEC-80F2-37FAF11B5F47}"/>
+                <a16:creationId xmlns:a16="http://schemas.microsoft.com/office/drawing/2014/main" xmlns="" id="{9974B717-EA42-4EEC-80F2-37FAF11B5F47}"/>
               </a:ext>
             </a:extLst>
           </p:cNvPr>
@@ -5823,7 +5823,7 @@
           <p:cNvPr id="3" name="Picture 2">
             <a:extLst>
               <a:ext uri="{FF2B5EF4-FFF2-40B4-BE49-F238E27FC236}">
-                <a16:creationId xmlns:a16="http://schemas.microsoft.com/office/drawing/2014/main" id="{2209F486-CECA-4BE7-B597-616062D92ABF}"/>
+                <a16:creationId xmlns:a16="http://schemas.microsoft.com/office/drawing/2014/main" xmlns="" id="{2209F486-CECA-4BE7-B597-616062D92ABF}"/>
               </a:ext>
             </a:extLst>
           </p:cNvPr>
@@ -5853,7 +5853,7 @@
           <p:cNvPr id="4" name="Picture 3">
             <a:extLst>
               <a:ext uri="{FF2B5EF4-FFF2-40B4-BE49-F238E27FC236}">
-                <a16:creationId xmlns:a16="http://schemas.microsoft.com/office/drawing/2014/main" id="{5459AB85-5A15-40F4-BD8A-8D81E219CB4B}"/>
+                <a16:creationId xmlns:a16="http://schemas.microsoft.com/office/drawing/2014/main" xmlns="" id="{5459AB85-5A15-40F4-BD8A-8D81E219CB4B}"/>
               </a:ext>
             </a:extLst>
           </p:cNvPr>
@@ -6334,7 +6334,7 @@
           <p:cNvPr id="15" name="Slide Number Placeholder 9">
             <a:extLst>
               <a:ext uri="{FF2B5EF4-FFF2-40B4-BE49-F238E27FC236}">
-                <a16:creationId xmlns:a16="http://schemas.microsoft.com/office/drawing/2014/main" id="{44B92F3E-9EEB-40B6-9E7E-72BB10D39728}"/>
+                <a16:creationId xmlns:a16="http://schemas.microsoft.com/office/drawing/2014/main" xmlns="" id="{44B92F3E-9EEB-40B6-9E7E-72BB10D39728}"/>
               </a:ext>
             </a:extLst>
           </p:cNvPr>
@@ -6374,7 +6374,7 @@
           <p:cNvPr id="4" name="Title 1">
             <a:extLst>
               <a:ext uri="{FF2B5EF4-FFF2-40B4-BE49-F238E27FC236}">
-                <a16:creationId xmlns:a16="http://schemas.microsoft.com/office/drawing/2014/main" id="{BC5146B5-68EC-4FAC-915D-B07D0EB2C39C}"/>
+                <a16:creationId xmlns:a16="http://schemas.microsoft.com/office/drawing/2014/main" xmlns="" id="{BC5146B5-68EC-4FAC-915D-B07D0EB2C39C}"/>
               </a:ext>
             </a:extLst>
           </p:cNvPr>
@@ -6442,7 +6442,7 @@
           <p:cNvPr id="5" name="Picture 4">
             <a:extLst>
               <a:ext uri="{FF2B5EF4-FFF2-40B4-BE49-F238E27FC236}">
-                <a16:creationId xmlns:a16="http://schemas.microsoft.com/office/drawing/2014/main" id="{3BFA5BC2-E118-4E28-81D8-F080150BD2F0}"/>
+                <a16:creationId xmlns:a16="http://schemas.microsoft.com/office/drawing/2014/main" xmlns="" id="{3BFA5BC2-E118-4E28-81D8-F080150BD2F0}"/>
               </a:ext>
             </a:extLst>
           </p:cNvPr>
@@ -6472,7 +6472,7 @@
           <p:cNvPr id="6" name="Picture 5">
             <a:extLst>
               <a:ext uri="{FF2B5EF4-FFF2-40B4-BE49-F238E27FC236}">
-                <a16:creationId xmlns:a16="http://schemas.microsoft.com/office/drawing/2014/main" id="{54D2A085-0400-4F39-9345-9536A6003E38}"/>
+                <a16:creationId xmlns:a16="http://schemas.microsoft.com/office/drawing/2014/main" xmlns="" id="{54D2A085-0400-4F39-9345-9536A6003E38}"/>
               </a:ext>
             </a:extLst>
           </p:cNvPr>
@@ -6502,7 +6502,7 @@
           <p:cNvPr id="7" name="Picture 6">
             <a:extLst>
               <a:ext uri="{FF2B5EF4-FFF2-40B4-BE49-F238E27FC236}">
-                <a16:creationId xmlns:a16="http://schemas.microsoft.com/office/drawing/2014/main" id="{7883AE2E-55EE-451C-88CF-6172D7045E9A}"/>
+                <a16:creationId xmlns:a16="http://schemas.microsoft.com/office/drawing/2014/main" xmlns="" id="{7883AE2E-55EE-451C-88CF-6172D7045E9A}"/>
               </a:ext>
             </a:extLst>
           </p:cNvPr>
@@ -6532,7 +6532,7 @@
           <p:cNvPr id="8" name="Picture 7">
             <a:extLst>
               <a:ext uri="{FF2B5EF4-FFF2-40B4-BE49-F238E27FC236}">
-                <a16:creationId xmlns:a16="http://schemas.microsoft.com/office/drawing/2014/main" id="{10E2D214-BC70-4EF3-ACD2-F6DB196688FA}"/>
+                <a16:creationId xmlns:a16="http://schemas.microsoft.com/office/drawing/2014/main" xmlns="" id="{10E2D214-BC70-4EF3-ACD2-F6DB196688FA}"/>
               </a:ext>
             </a:extLst>
           </p:cNvPr>
@@ -6562,7 +6562,7 @@
           <p:cNvPr id="9" name="Picture 8">
             <a:extLst>
               <a:ext uri="{FF2B5EF4-FFF2-40B4-BE49-F238E27FC236}">
-                <a16:creationId xmlns:a16="http://schemas.microsoft.com/office/drawing/2014/main" id="{936B7A2C-3498-472B-AAE4-F55D385BC981}"/>
+                <a16:creationId xmlns:a16="http://schemas.microsoft.com/office/drawing/2014/main" xmlns="" id="{936B7A2C-3498-472B-AAE4-F55D385BC981}"/>
               </a:ext>
             </a:extLst>
           </p:cNvPr>
@@ -6592,7 +6592,7 @@
           <p:cNvPr id="10" name="Picture 9">
             <a:extLst>
               <a:ext uri="{FF2B5EF4-FFF2-40B4-BE49-F238E27FC236}">
-                <a16:creationId xmlns:a16="http://schemas.microsoft.com/office/drawing/2014/main" id="{98D4F2E5-2FA2-476C-BB98-E6562FB359CF}"/>
+                <a16:creationId xmlns:a16="http://schemas.microsoft.com/office/drawing/2014/main" xmlns="" id="{98D4F2E5-2FA2-476C-BB98-E6562FB359CF}"/>
               </a:ext>
             </a:extLst>
           </p:cNvPr>
@@ -6678,7 +6678,7 @@
           <p:cNvPr id="8" name="TextBox 7">
             <a:extLst>
               <a:ext uri="{FF2B5EF4-FFF2-40B4-BE49-F238E27FC236}">
-                <a16:creationId xmlns:a16="http://schemas.microsoft.com/office/drawing/2014/main" id="{056C2211-7106-4FD6-A571-CE08A366EB4F}"/>
+                <a16:creationId xmlns:a16="http://schemas.microsoft.com/office/drawing/2014/main" xmlns="" id="{056C2211-7106-4FD6-A571-CE08A366EB4F}"/>
               </a:ext>
             </a:extLst>
           </p:cNvPr>
@@ -6727,7 +6727,7 @@
           <p:cNvPr id="15" name="Slide Number Placeholder 9">
             <a:extLst>
               <a:ext uri="{FF2B5EF4-FFF2-40B4-BE49-F238E27FC236}">
-                <a16:creationId xmlns:a16="http://schemas.microsoft.com/office/drawing/2014/main" id="{44B92F3E-9EEB-40B6-9E7E-72BB10D39728}"/>
+                <a16:creationId xmlns:a16="http://schemas.microsoft.com/office/drawing/2014/main" xmlns="" id="{44B92F3E-9EEB-40B6-9E7E-72BB10D39728}"/>
               </a:ext>
             </a:extLst>
           </p:cNvPr>
@@ -6767,7 +6767,7 @@
           <p:cNvPr id="6" name="TextBox 5">
             <a:extLst>
               <a:ext uri="{FF2B5EF4-FFF2-40B4-BE49-F238E27FC236}">
-                <a16:creationId xmlns:a16="http://schemas.microsoft.com/office/drawing/2014/main" id="{3C941A7C-4B30-4998-88CC-537949084870}"/>
+                <a16:creationId xmlns:a16="http://schemas.microsoft.com/office/drawing/2014/main" xmlns="" id="{3C941A7C-4B30-4998-88CC-537949084870}"/>
               </a:ext>
             </a:extLst>
           </p:cNvPr>
@@ -6950,7 +6950,7 @@
           <p:cNvPr id="10" name="TextBox 9">
             <a:extLst>
               <a:ext uri="{FF2B5EF4-FFF2-40B4-BE49-F238E27FC236}">
-                <a16:creationId xmlns:a16="http://schemas.microsoft.com/office/drawing/2014/main" id="{88EC05D0-8B22-436D-9535-85816B9AC413}"/>
+                <a16:creationId xmlns:a16="http://schemas.microsoft.com/office/drawing/2014/main" xmlns="" id="{88EC05D0-8B22-436D-9535-85816B9AC413}"/>
               </a:ext>
             </a:extLst>
           </p:cNvPr>
@@ -7661,7 +7661,7 @@
           <p:cNvPr id="15" name="Slide Number Placeholder 9">
             <a:extLst>
               <a:ext uri="{FF2B5EF4-FFF2-40B4-BE49-F238E27FC236}">
-                <a16:creationId xmlns:a16="http://schemas.microsoft.com/office/drawing/2014/main" id="{44B92F3E-9EEB-40B6-9E7E-72BB10D39728}"/>
+                <a16:creationId xmlns:a16="http://schemas.microsoft.com/office/drawing/2014/main" xmlns="" id="{44B92F3E-9EEB-40B6-9E7E-72BB10D39728}"/>
               </a:ext>
             </a:extLst>
           </p:cNvPr>
@@ -7701,7 +7701,7 @@
           <p:cNvPr id="4" name="TextBox 3">
             <a:extLst>
               <a:ext uri="{FF2B5EF4-FFF2-40B4-BE49-F238E27FC236}">
-                <a16:creationId xmlns:a16="http://schemas.microsoft.com/office/drawing/2014/main" id="{CA87DAC0-5923-4CA2-A151-511B30733FF9}"/>
+                <a16:creationId xmlns:a16="http://schemas.microsoft.com/office/drawing/2014/main" xmlns="" id="{CA87DAC0-5923-4CA2-A151-511B30733FF9}"/>
               </a:ext>
             </a:extLst>
           </p:cNvPr>
@@ -7741,7 +7741,7 @@
           <p:cNvPr id="5" name="Picture 4">
             <a:extLst>
               <a:ext uri="{FF2B5EF4-FFF2-40B4-BE49-F238E27FC236}">
-                <a16:creationId xmlns:a16="http://schemas.microsoft.com/office/drawing/2014/main" id="{75D18FF7-B3B9-42EC-AB9F-BAFDB5B035B4}"/>
+                <a16:creationId xmlns:a16="http://schemas.microsoft.com/office/drawing/2014/main" xmlns="" id="{75D18FF7-B3B9-42EC-AB9F-BAFDB5B035B4}"/>
               </a:ext>
             </a:extLst>
           </p:cNvPr>
@@ -7777,7 +7777,7 @@
           <p:cNvPr id="6" name="Picture 5">
             <a:extLst>
               <a:ext uri="{FF2B5EF4-FFF2-40B4-BE49-F238E27FC236}">
-                <a16:creationId xmlns:a16="http://schemas.microsoft.com/office/drawing/2014/main" id="{11894213-104C-41A9-93D5-DB91A9D45245}"/>
+                <a16:creationId xmlns:a16="http://schemas.microsoft.com/office/drawing/2014/main" xmlns="" id="{11894213-104C-41A9-93D5-DB91A9D45245}"/>
               </a:ext>
             </a:extLst>
           </p:cNvPr>
@@ -7813,7 +7813,7 @@
           <p:cNvPr id="7" name="TextBox 6">
             <a:extLst>
               <a:ext uri="{FF2B5EF4-FFF2-40B4-BE49-F238E27FC236}">
-                <a16:creationId xmlns:a16="http://schemas.microsoft.com/office/drawing/2014/main" id="{3988084A-3D3A-4F59-824A-1039C71586A9}"/>
+                <a16:creationId xmlns:a16="http://schemas.microsoft.com/office/drawing/2014/main" xmlns="" id="{3988084A-3D3A-4F59-824A-1039C71586A9}"/>
               </a:ext>
             </a:extLst>
           </p:cNvPr>
@@ -7875,7 +7875,7 @@
           <p:cNvPr id="8" name="TextBox 7">
             <a:extLst>
               <a:ext uri="{FF2B5EF4-FFF2-40B4-BE49-F238E27FC236}">
-                <a16:creationId xmlns:a16="http://schemas.microsoft.com/office/drawing/2014/main" id="{DF815332-7E0F-4A40-AFBF-6A8E6835BC68}"/>
+                <a16:creationId xmlns:a16="http://schemas.microsoft.com/office/drawing/2014/main" xmlns="" id="{DF815332-7E0F-4A40-AFBF-6A8E6835BC68}"/>
               </a:ext>
             </a:extLst>
           </p:cNvPr>
@@ -7993,7 +7993,7 @@
           <p:cNvPr id="15" name="Slide Number Placeholder 9">
             <a:extLst>
               <a:ext uri="{FF2B5EF4-FFF2-40B4-BE49-F238E27FC236}">
-                <a16:creationId xmlns:a16="http://schemas.microsoft.com/office/drawing/2014/main" id="{44B92F3E-9EEB-40B6-9E7E-72BB10D39728}"/>
+                <a16:creationId xmlns:a16="http://schemas.microsoft.com/office/drawing/2014/main" xmlns="" id="{44B92F3E-9EEB-40B6-9E7E-72BB10D39728}"/>
               </a:ext>
             </a:extLst>
           </p:cNvPr>
@@ -8033,7 +8033,7 @@
           <p:cNvPr id="9" name="TextBox 8">
             <a:extLst>
               <a:ext uri="{FF2B5EF4-FFF2-40B4-BE49-F238E27FC236}">
-                <a16:creationId xmlns:a16="http://schemas.microsoft.com/office/drawing/2014/main" id="{B074CA9D-36E1-496F-99CF-A4B15D17DCE5}"/>
+                <a16:creationId xmlns:a16="http://schemas.microsoft.com/office/drawing/2014/main" xmlns="" id="{B074CA9D-36E1-496F-99CF-A4B15D17DCE5}"/>
               </a:ext>
             </a:extLst>
           </p:cNvPr>
@@ -8073,7 +8073,7 @@
           <p:cNvPr id="10" name="Picture 9">
             <a:extLst>
               <a:ext uri="{FF2B5EF4-FFF2-40B4-BE49-F238E27FC236}">
-                <a16:creationId xmlns:a16="http://schemas.microsoft.com/office/drawing/2014/main" id="{32D079D4-0BCF-41E4-BDFA-903E19B5D8CD}"/>
+                <a16:creationId xmlns:a16="http://schemas.microsoft.com/office/drawing/2014/main" xmlns="" id="{32D079D4-0BCF-41E4-BDFA-903E19B5D8CD}"/>
               </a:ext>
             </a:extLst>
           </p:cNvPr>
@@ -8109,7 +8109,7 @@
           <p:cNvPr id="11" name="Picture 10">
             <a:extLst>
               <a:ext uri="{FF2B5EF4-FFF2-40B4-BE49-F238E27FC236}">
-                <a16:creationId xmlns:a16="http://schemas.microsoft.com/office/drawing/2014/main" id="{4BCF0D4F-439F-4D48-8FFD-1A208AE498F4}"/>
+                <a16:creationId xmlns:a16="http://schemas.microsoft.com/office/drawing/2014/main" xmlns="" id="{4BCF0D4F-439F-4D48-8FFD-1A208AE498F4}"/>
               </a:ext>
             </a:extLst>
           </p:cNvPr>
@@ -8145,7 +8145,7 @@
           <p:cNvPr id="12" name="TextBox 11">
             <a:extLst>
               <a:ext uri="{FF2B5EF4-FFF2-40B4-BE49-F238E27FC236}">
-                <a16:creationId xmlns:a16="http://schemas.microsoft.com/office/drawing/2014/main" id="{2AB1FF01-59ED-4D04-B642-55D4F5FBFB8D}"/>
+                <a16:creationId xmlns:a16="http://schemas.microsoft.com/office/drawing/2014/main" xmlns="" id="{2AB1FF01-59ED-4D04-B642-55D4F5FBFB8D}"/>
               </a:ext>
             </a:extLst>
           </p:cNvPr>
@@ -8207,7 +8207,7 @@
           <p:cNvPr id="13" name="TextBox 12">
             <a:extLst>
               <a:ext uri="{FF2B5EF4-FFF2-40B4-BE49-F238E27FC236}">
-                <a16:creationId xmlns:a16="http://schemas.microsoft.com/office/drawing/2014/main" id="{D5E10DDC-88E1-410D-96E0-812E63B3D0BC}"/>
+                <a16:creationId xmlns:a16="http://schemas.microsoft.com/office/drawing/2014/main" xmlns="" id="{D5E10DDC-88E1-410D-96E0-812E63B3D0BC}"/>
               </a:ext>
             </a:extLst>
           </p:cNvPr>
@@ -8274,13 +8274,13 @@
   <p:clrMapOvr>
     <a:masterClrMapping/>
   </p:clrMapOvr>
-  <mc:AlternateContent xmlns:mc="http://schemas.openxmlformats.org/markup-compatibility/2006">
-    <mc:Choice xmlns:p14="http://schemas.microsoft.com/office/powerpoint/2010/main" Requires="p14">
+  <mc:AlternateContent xmlns:mc="http://schemas.openxmlformats.org/markup-compatibility/2006" xmlns:p14="http://schemas.microsoft.com/office/powerpoint/2010/main">
+    <mc:Choice Requires="p14">
       <p:transition spd="slow" p14:dur="1200">
         <p14:prism/>
       </p:transition>
     </mc:Choice>
-    <mc:Fallback>
+    <mc:Fallback xmlns="">
       <p:transition spd="slow">
         <p:fade/>
       </p:transition>
@@ -8325,7 +8325,7 @@
           <p:cNvPr id="8" name="TextBox 7">
             <a:extLst>
               <a:ext uri="{FF2B5EF4-FFF2-40B4-BE49-F238E27FC236}">
-                <a16:creationId xmlns:a16="http://schemas.microsoft.com/office/drawing/2014/main" id="{056C2211-7106-4FD6-A571-CE08A366EB4F}"/>
+                <a16:creationId xmlns:a16="http://schemas.microsoft.com/office/drawing/2014/main" xmlns="" id="{056C2211-7106-4FD6-A571-CE08A366EB4F}"/>
               </a:ext>
             </a:extLst>
           </p:cNvPr>
@@ -8365,7 +8365,7 @@
           <p:cNvPr id="15" name="Slide Number Placeholder 9">
             <a:extLst>
               <a:ext uri="{FF2B5EF4-FFF2-40B4-BE49-F238E27FC236}">
-                <a16:creationId xmlns:a16="http://schemas.microsoft.com/office/drawing/2014/main" id="{44B92F3E-9EEB-40B6-9E7E-72BB10D39728}"/>
+                <a16:creationId xmlns:a16="http://schemas.microsoft.com/office/drawing/2014/main" xmlns="" id="{44B92F3E-9EEB-40B6-9E7E-72BB10D39728}"/>
               </a:ext>
             </a:extLst>
           </p:cNvPr>
@@ -8405,7 +8405,7 @@
           <p:cNvPr id="4" name="Rectangle 3">
             <a:extLst>
               <a:ext uri="{FF2B5EF4-FFF2-40B4-BE49-F238E27FC236}">
-                <a16:creationId xmlns:a16="http://schemas.microsoft.com/office/drawing/2014/main" id="{CDBB1064-DA8C-4726-9E0E-C761C28B6EBD}"/>
+                <a16:creationId xmlns:a16="http://schemas.microsoft.com/office/drawing/2014/main" xmlns="" id="{CDBB1064-DA8C-4726-9E0E-C761C28B6EBD}"/>
               </a:ext>
             </a:extLst>
           </p:cNvPr>
@@ -9190,7 +9190,7 @@
           <p:cNvPr id="8" name="TextBox 7">
             <a:extLst>
               <a:ext uri="{FF2B5EF4-FFF2-40B4-BE49-F238E27FC236}">
-                <a16:creationId xmlns:a16="http://schemas.microsoft.com/office/drawing/2014/main" id="{056C2211-7106-4FD6-A571-CE08A366EB4F}"/>
+                <a16:creationId xmlns:a16="http://schemas.microsoft.com/office/drawing/2014/main" xmlns="" id="{056C2211-7106-4FD6-A571-CE08A366EB4F}"/>
               </a:ext>
             </a:extLst>
           </p:cNvPr>
@@ -9230,7 +9230,7 @@
           <p:cNvPr id="5" name="Content Placeholder 2">
             <a:extLst>
               <a:ext uri="{FF2B5EF4-FFF2-40B4-BE49-F238E27FC236}">
-                <a16:creationId xmlns:a16="http://schemas.microsoft.com/office/drawing/2014/main" id="{D8395E07-E25E-466F-AD18-38E92D7DD7CB}"/>
+                <a16:creationId xmlns:a16="http://schemas.microsoft.com/office/drawing/2014/main" xmlns="" id="{D8395E07-E25E-466F-AD18-38E92D7DD7CB}"/>
               </a:ext>
             </a:extLst>
           </p:cNvPr>
@@ -9249,7 +9249,7 @@
         </p:spPr>
         <p:txBody>
           <a:bodyPr>
-            <a:normAutofit/>
+            <a:normAutofit fontScale="85000" lnSpcReduction="10000"/>
           </a:bodyPr>
           <a:lstStyle/>
           <a:p>
@@ -9297,7 +9297,7 @@
               <a:t>etc</a:t>
             </a:r>
             <a:r>
-              <a:rPr lang="en-US" sz="2000" b="1" dirty="0">
+              <a:rPr lang="en-US" sz="2000" b="1" dirty="0" smtClean="0">
                 <a:solidFill>
                   <a:srgbClr val="00577E"/>
                 </a:solidFill>
@@ -9305,6 +9305,30 @@
               </a:rPr>
               <a:t>?)</a:t>
             </a:r>
+          </a:p>
+          <a:p>
+            <a:pPr marL="717550" indent="-717550">
+              <a:lnSpc>
+                <a:spcPct val="200000"/>
+              </a:lnSpc>
+              <a:buFont typeface="Wingdings" panose="05000000000000000000" pitchFamily="2" charset="2"/>
+              <a:buChar char="v"/>
+            </a:pPr>
+            <a:r>
+              <a:rPr lang="en-US" sz="2000" b="1" dirty="0" smtClean="0">
+                <a:solidFill>
+                  <a:srgbClr val="00577E"/>
+                </a:solidFill>
+                <a:latin typeface="Arial Narrow" panose="020B0606020202030204" pitchFamily="34" charset="0"/>
+              </a:rPr>
+              <a:t>Post-hoc comparisons based on ANOVA significant results</a:t>
+            </a:r>
+            <a:endParaRPr lang="en-US" sz="2000" b="1" dirty="0">
+              <a:solidFill>
+                <a:srgbClr val="00577E"/>
+              </a:solidFill>
+              <a:latin typeface="Arial Narrow" panose="020B0606020202030204" pitchFamily="34" charset="0"/>
+            </a:endParaRPr>
           </a:p>
           <a:p>
             <a:pPr marL="717550" indent="-717550">
@@ -9349,7 +9373,7 @@
           <p:cNvPr id="15" name="Slide Number Placeholder 9">
             <a:extLst>
               <a:ext uri="{FF2B5EF4-FFF2-40B4-BE49-F238E27FC236}">
-                <a16:creationId xmlns:a16="http://schemas.microsoft.com/office/drawing/2014/main" id="{44B92F3E-9EEB-40B6-9E7E-72BB10D39728}"/>
+                <a16:creationId xmlns:a16="http://schemas.microsoft.com/office/drawing/2014/main" xmlns="" id="{44B92F3E-9EEB-40B6-9E7E-72BB10D39728}"/>
               </a:ext>
             </a:extLst>
           </p:cNvPr>
@@ -9874,6 +9898,121 @@
                       </p:childTnLst>
                     </p:cTn>
                   </p:par>
+                  <p:par>
+                    <p:cTn id="31" fill="hold">
+                      <p:stCondLst>
+                        <p:cond delay="indefinite"/>
+                      </p:stCondLst>
+                      <p:childTnLst>
+                        <p:par>
+                          <p:cTn id="32" fill="hold">
+                            <p:stCondLst>
+                              <p:cond delay="0"/>
+                            </p:stCondLst>
+                            <p:childTnLst>
+                              <p:par>
+                                <p:cTn id="33" presetID="42" presetClass="entr" presetSubtype="0" fill="hold" nodeType="clickEffect">
+                                  <p:stCondLst>
+                                    <p:cond delay="0"/>
+                                  </p:stCondLst>
+                                  <p:childTnLst>
+                                    <p:set>
+                                      <p:cBhvr>
+                                        <p:cTn id="34" dur="1" fill="hold">
+                                          <p:stCondLst>
+                                            <p:cond delay="0"/>
+                                          </p:stCondLst>
+                                        </p:cTn>
+                                        <p:tgtEl>
+                                          <p:spTgt spid="5">
+                                            <p:txEl>
+                                              <p:pRg st="4" end="4"/>
+                                            </p:txEl>
+                                          </p:spTgt>
+                                        </p:tgtEl>
+                                        <p:attrNameLst>
+                                          <p:attrName>style.visibility</p:attrName>
+                                        </p:attrNameLst>
+                                      </p:cBhvr>
+                                      <p:to>
+                                        <p:strVal val="visible"/>
+                                      </p:to>
+                                    </p:set>
+                                    <p:animEffect transition="in" filter="fade">
+                                      <p:cBhvr>
+                                        <p:cTn id="35" dur="1000"/>
+                                        <p:tgtEl>
+                                          <p:spTgt spid="5">
+                                            <p:txEl>
+                                              <p:pRg st="4" end="4"/>
+                                            </p:txEl>
+                                          </p:spTgt>
+                                        </p:tgtEl>
+                                      </p:cBhvr>
+                                    </p:animEffect>
+                                    <p:anim calcmode="lin" valueType="num">
+                                      <p:cBhvr>
+                                        <p:cTn id="36" dur="1000" fill="hold"/>
+                                        <p:tgtEl>
+                                          <p:spTgt spid="5">
+                                            <p:txEl>
+                                              <p:pRg st="4" end="4"/>
+                                            </p:txEl>
+                                          </p:spTgt>
+                                        </p:tgtEl>
+                                        <p:attrNameLst>
+                                          <p:attrName>ppt_x</p:attrName>
+                                        </p:attrNameLst>
+                                      </p:cBhvr>
+                                      <p:tavLst>
+                                        <p:tav tm="0">
+                                          <p:val>
+                                            <p:strVal val="#ppt_x"/>
+                                          </p:val>
+                                        </p:tav>
+                                        <p:tav tm="100000">
+                                          <p:val>
+                                            <p:strVal val="#ppt_x"/>
+                                          </p:val>
+                                        </p:tav>
+                                      </p:tavLst>
+                                    </p:anim>
+                                    <p:anim calcmode="lin" valueType="num">
+                                      <p:cBhvr>
+                                        <p:cTn id="37" dur="1000" fill="hold"/>
+                                        <p:tgtEl>
+                                          <p:spTgt spid="5">
+                                            <p:txEl>
+                                              <p:pRg st="4" end="4"/>
+                                            </p:txEl>
+                                          </p:spTgt>
+                                        </p:tgtEl>
+                                        <p:attrNameLst>
+                                          <p:attrName>ppt_y</p:attrName>
+                                        </p:attrNameLst>
+                                      </p:cBhvr>
+                                      <p:tavLst>
+                                        <p:tav tm="0">
+                                          <p:val>
+                                            <p:strVal val="#ppt_y+.1"/>
+                                          </p:val>
+                                        </p:tav>
+                                        <p:tav tm="100000">
+                                          <p:val>
+                                            <p:strVal val="#ppt_y"/>
+                                          </p:val>
+                                        </p:tav>
+                                      </p:tavLst>
+                                    </p:anim>
+                                  </p:childTnLst>
+                                </p:cTn>
+                              </p:par>
+                            </p:childTnLst>
+                          </p:cTn>
+                        </p:par>
+                      </p:childTnLst>
+                    </p:cTn>
+                  </p:par>
                 </p:childTnLst>
               </p:cTn>
               <p:prevCondLst>
@@ -9935,7 +10074,7 @@
           <p:cNvPr id="2" name="Título 1">
             <a:extLst>
               <a:ext uri="{FF2B5EF4-FFF2-40B4-BE49-F238E27FC236}">
-                <a16:creationId xmlns:a16="http://schemas.microsoft.com/office/drawing/2014/main" id="{D42954F0-945A-474F-8610-749F8C771E7C}"/>
+                <a16:creationId xmlns:a16="http://schemas.microsoft.com/office/drawing/2014/main" xmlns="" id="{D42954F0-945A-474F-8610-749F8C771E7C}"/>
               </a:ext>
             </a:extLst>
           </p:cNvPr>
@@ -9981,7 +10120,7 @@
           <p:cNvPr id="6" name="Group 5">
             <a:extLst>
               <a:ext uri="{FF2B5EF4-FFF2-40B4-BE49-F238E27FC236}">
-                <a16:creationId xmlns:a16="http://schemas.microsoft.com/office/drawing/2014/main" id="{BA708346-6C78-47BC-A8BC-6CEB574E8253}"/>
+                <a16:creationId xmlns:a16="http://schemas.microsoft.com/office/drawing/2014/main" xmlns="" id="{BA708346-6C78-47BC-A8BC-6CEB574E8253}"/>
               </a:ext>
             </a:extLst>
           </p:cNvPr>
@@ -10011,7 +10150,7 @@
             <p:cNvPr id="7" name="Graphic 6" descr="Confused person">
               <a:extLst>
                 <a:ext uri="{FF2B5EF4-FFF2-40B4-BE49-F238E27FC236}">
-                  <a16:creationId xmlns:a16="http://schemas.microsoft.com/office/drawing/2014/main" id="{C4C9C986-B48B-42B7-AFD8-587CF424D4CA}"/>
+                  <a16:creationId xmlns:a16="http://schemas.microsoft.com/office/drawing/2014/main" xmlns="" id="{C4C9C986-B48B-42B7-AFD8-587CF424D4CA}"/>
                 </a:ext>
               </a:extLst>
             </p:cNvPr>
@@ -10021,13 +10160,13 @@
             <p:nvPr/>
           </p:nvPicPr>
           <p:blipFill>
-            <a:blip r:embed="rId3">
+            <a:blip r:embed="rId3" cstate="print">
               <a:extLst>
                 <a:ext uri="{28A0092B-C50C-407E-A947-70E740481C1C}">
                   <a14:useLocalDpi xmlns:a14="http://schemas.microsoft.com/office/drawing/2010/main" val="0"/>
                 </a:ext>
                 <a:ext uri="{96DAC541-7B7A-43D3-8B79-37D633B846F1}">
-                  <asvg:svgBlip xmlns:asvg="http://schemas.microsoft.com/office/drawing/2016/SVG/main" r:embed="rId4"/>
+                  <asvg:svgBlip xmlns:asvg="http://schemas.microsoft.com/office/drawing/2016/SVG/main" xmlns="" r:embed="rId4"/>
                 </a:ext>
               </a:extLst>
             </a:blip>
@@ -10050,7 +10189,7 @@
             <p:cNvPr id="8" name="Graphic 7" descr="Thought bubble">
               <a:extLst>
                 <a:ext uri="{FF2B5EF4-FFF2-40B4-BE49-F238E27FC236}">
-                  <a16:creationId xmlns:a16="http://schemas.microsoft.com/office/drawing/2014/main" id="{6572C976-BF63-45F8-862D-E165A87ECBF3}"/>
+                  <a16:creationId xmlns:a16="http://schemas.microsoft.com/office/drawing/2014/main" xmlns="" id="{6572C976-BF63-45F8-862D-E165A87ECBF3}"/>
                 </a:ext>
               </a:extLst>
             </p:cNvPr>
@@ -10060,13 +10199,13 @@
             <p:nvPr/>
           </p:nvPicPr>
           <p:blipFill>
-            <a:blip r:embed="rId5">
+            <a:blip r:embed="rId5" cstate="print">
               <a:extLst>
                 <a:ext uri="{28A0092B-C50C-407E-A947-70E740481C1C}">
                   <a14:useLocalDpi xmlns:a14="http://schemas.microsoft.com/office/drawing/2010/main" val="0"/>
                 </a:ext>
                 <a:ext uri="{96DAC541-7B7A-43D3-8B79-37D633B846F1}">
-                  <asvg:svgBlip xmlns:asvg="http://schemas.microsoft.com/office/drawing/2016/SVG/main" r:embed="rId6"/>
+                  <asvg:svgBlip xmlns:asvg="http://schemas.microsoft.com/office/drawing/2016/SVG/main" xmlns="" r:embed="rId6"/>
                 </a:ext>
               </a:extLst>
             </a:blip>
@@ -10089,7 +10228,7 @@
             <p:cNvPr id="9" name="Graphic 8" descr="Users">
               <a:extLst>
                 <a:ext uri="{FF2B5EF4-FFF2-40B4-BE49-F238E27FC236}">
-                  <a16:creationId xmlns:a16="http://schemas.microsoft.com/office/drawing/2014/main" id="{B8B9319D-9BF2-4ED3-9407-5C97BCEBADEF}"/>
+                  <a16:creationId xmlns:a16="http://schemas.microsoft.com/office/drawing/2014/main" xmlns="" id="{B8B9319D-9BF2-4ED3-9407-5C97BCEBADEF}"/>
                 </a:ext>
               </a:extLst>
             </p:cNvPr>
@@ -10099,13 +10238,13 @@
             <p:nvPr/>
           </p:nvPicPr>
           <p:blipFill>
-            <a:blip r:embed="rId7">
+            <a:blip r:embed="rId7" cstate="print">
               <a:extLst>
                 <a:ext uri="{28A0092B-C50C-407E-A947-70E740481C1C}">
                   <a14:useLocalDpi xmlns:a14="http://schemas.microsoft.com/office/drawing/2010/main" val="0"/>
                 </a:ext>
                 <a:ext uri="{96DAC541-7B7A-43D3-8B79-37D633B846F1}">
-                  <asvg:svgBlip xmlns:asvg="http://schemas.microsoft.com/office/drawing/2016/SVG/main" r:embed="rId8"/>
+                  <asvg:svgBlip xmlns:asvg="http://schemas.microsoft.com/office/drawing/2016/SVG/main" xmlns="" r:embed="rId8"/>
                 </a:ext>
               </a:extLst>
             </a:blip>
@@ -10128,7 +10267,7 @@
             <p:cNvPr id="10" name="Graphic 9" descr="Questions">
               <a:extLst>
                 <a:ext uri="{FF2B5EF4-FFF2-40B4-BE49-F238E27FC236}">
-                  <a16:creationId xmlns:a16="http://schemas.microsoft.com/office/drawing/2014/main" id="{EE633AEA-4496-460D-BAF9-729BD89AC6EF}"/>
+                  <a16:creationId xmlns:a16="http://schemas.microsoft.com/office/drawing/2014/main" xmlns="" id="{EE633AEA-4496-460D-BAF9-729BD89AC6EF}"/>
                 </a:ext>
               </a:extLst>
             </p:cNvPr>
@@ -10503,7 +10642,7 @@
             <a:bodyPr rtlCol="0" anchor="ctr"/>
             <a:lstStyle/>
             <a:p>
-              <a:endParaRPr lang="en-PK"/>
+              <a:endParaRPr lang="x-none"/>
             </a:p>
           </p:txBody>
         </p:sp>
@@ -10512,7 +10651,7 @@
             <p:cNvPr id="11" name="Graphic 10" descr="Chat bubble">
               <a:extLst>
                 <a:ext uri="{FF2B5EF4-FFF2-40B4-BE49-F238E27FC236}">
-                  <a16:creationId xmlns:a16="http://schemas.microsoft.com/office/drawing/2014/main" id="{57C7282C-99D8-4236-AFC0-8C6B9031D6A8}"/>
+                  <a16:creationId xmlns:a16="http://schemas.microsoft.com/office/drawing/2014/main" xmlns="" id="{57C7282C-99D8-4236-AFC0-8C6B9031D6A8}"/>
                 </a:ext>
               </a:extLst>
             </p:cNvPr>
@@ -10522,13 +10661,13 @@
             <p:nvPr/>
           </p:nvPicPr>
           <p:blipFill>
-            <a:blip r:embed="rId9">
+            <a:blip r:embed="rId9" cstate="print">
               <a:extLst>
                 <a:ext uri="{28A0092B-C50C-407E-A947-70E740481C1C}">
                   <a14:useLocalDpi xmlns:a14="http://schemas.microsoft.com/office/drawing/2010/main" val="0"/>
                 </a:ext>
                 <a:ext uri="{96DAC541-7B7A-43D3-8B79-37D633B846F1}">
-                  <asvg:svgBlip xmlns:asvg="http://schemas.microsoft.com/office/drawing/2016/SVG/main" r:embed="rId10"/>
+                  <asvg:svgBlip xmlns:asvg="http://schemas.microsoft.com/office/drawing/2016/SVG/main" xmlns="" r:embed="rId10"/>
                 </a:ext>
               </a:extLst>
             </a:blip>
@@ -10551,7 +10690,7 @@
             <p:cNvPr id="12" name="Graphic 11" descr="Users">
               <a:extLst>
                 <a:ext uri="{FF2B5EF4-FFF2-40B4-BE49-F238E27FC236}">
-                  <a16:creationId xmlns:a16="http://schemas.microsoft.com/office/drawing/2014/main" id="{31BA038C-18CC-4B59-9457-E3D8658BEF50}"/>
+                  <a16:creationId xmlns:a16="http://schemas.microsoft.com/office/drawing/2014/main" xmlns="" id="{31BA038C-18CC-4B59-9457-E3D8658BEF50}"/>
                 </a:ext>
               </a:extLst>
             </p:cNvPr>
@@ -10561,13 +10700,13 @@
             <p:nvPr/>
           </p:nvPicPr>
           <p:blipFill>
-            <a:blip r:embed="rId7">
+            <a:blip r:embed="rId7" cstate="print">
               <a:extLst>
                 <a:ext uri="{28A0092B-C50C-407E-A947-70E740481C1C}">
                   <a14:useLocalDpi xmlns:a14="http://schemas.microsoft.com/office/drawing/2010/main" val="0"/>
                 </a:ext>
                 <a:ext uri="{96DAC541-7B7A-43D3-8B79-37D633B846F1}">
-                  <asvg:svgBlip xmlns:asvg="http://schemas.microsoft.com/office/drawing/2016/SVG/main" r:embed="rId8"/>
+                  <asvg:svgBlip xmlns:asvg="http://schemas.microsoft.com/office/drawing/2016/SVG/main" xmlns="" r:embed="rId8"/>
                 </a:ext>
               </a:extLst>
             </a:blip>
@@ -10590,7 +10729,7 @@
             <p:cNvPr id="13" name="Group 12">
               <a:extLst>
                 <a:ext uri="{FF2B5EF4-FFF2-40B4-BE49-F238E27FC236}">
-                  <a16:creationId xmlns:a16="http://schemas.microsoft.com/office/drawing/2014/main" id="{EEB54260-6C50-44D6-8D00-DE84CC3D23C8}"/>
+                  <a16:creationId xmlns:a16="http://schemas.microsoft.com/office/drawing/2014/main" xmlns="" id="{EEB54260-6C50-44D6-8D00-DE84CC3D23C8}"/>
                 </a:ext>
               </a:extLst>
             </p:cNvPr>
@@ -10611,7 +10750,7 @@
               <p:cNvPr id="15" name="Graphic 20" descr="Person with idea">
                 <a:extLst>
                   <a:ext uri="{FF2B5EF4-FFF2-40B4-BE49-F238E27FC236}">
-                    <a16:creationId xmlns:a16="http://schemas.microsoft.com/office/drawing/2014/main" id="{E0235CF1-A64D-44B4-8CCA-48AA8A507909}"/>
+                    <a16:creationId xmlns:a16="http://schemas.microsoft.com/office/drawing/2014/main" xmlns="" id="{E0235CF1-A64D-44B4-8CCA-48AA8A507909}"/>
                   </a:ext>
                 </a:extLst>
               </p:cNvPr>
@@ -10732,7 +10871,7 @@
               <a:bodyPr rtlCol="0" anchor="ctr"/>
               <a:lstStyle/>
               <a:p>
-                <a:endParaRPr lang="en-PK"/>
+                <a:endParaRPr lang="x-none"/>
               </a:p>
             </p:txBody>
           </p:sp>
@@ -10741,7 +10880,7 @@
               <p:cNvPr id="16" name="Graphic 20" descr="Person with idea">
                 <a:extLst>
                   <a:ext uri="{FF2B5EF4-FFF2-40B4-BE49-F238E27FC236}">
-                    <a16:creationId xmlns:a16="http://schemas.microsoft.com/office/drawing/2014/main" id="{E6239FBE-87AB-43AE-8D49-515404F6A29D}"/>
+                    <a16:creationId xmlns:a16="http://schemas.microsoft.com/office/drawing/2014/main" xmlns="" id="{E6239FBE-87AB-43AE-8D49-515404F6A29D}"/>
                   </a:ext>
                 </a:extLst>
               </p:cNvPr>
@@ -10826,7 +10965,7 @@
               <a:bodyPr rtlCol="0" anchor="ctr"/>
               <a:lstStyle/>
               <a:p>
-                <a:endParaRPr lang="en-PK"/>
+                <a:endParaRPr lang="x-none"/>
               </a:p>
             </p:txBody>
           </p:sp>
@@ -10836,7 +10975,7 @@
             <p:cNvPr id="14" name="Graphic 20" descr="Person with idea">
               <a:extLst>
                 <a:ext uri="{FF2B5EF4-FFF2-40B4-BE49-F238E27FC236}">
-                  <a16:creationId xmlns:a16="http://schemas.microsoft.com/office/drawing/2014/main" id="{ED421299-3F7D-4395-8405-1F61BC74973A}"/>
+                  <a16:creationId xmlns:a16="http://schemas.microsoft.com/office/drawing/2014/main" xmlns="" id="{ED421299-3F7D-4395-8405-1F61BC74973A}"/>
                 </a:ext>
               </a:extLst>
             </p:cNvPr>
@@ -11779,7 +11918,7 @@
             <a:bodyPr rtlCol="0" anchor="ctr"/>
             <a:lstStyle/>
             <a:p>
-              <a:endParaRPr lang="en-PK"/>
+              <a:endParaRPr lang="x-none"/>
             </a:p>
           </p:txBody>
         </p:sp>
@@ -11789,7 +11928,7 @@
           <p:cNvPr id="17" name="Título 1">
             <a:extLst>
               <a:ext uri="{FF2B5EF4-FFF2-40B4-BE49-F238E27FC236}">
-                <a16:creationId xmlns:a16="http://schemas.microsoft.com/office/drawing/2014/main" id="{D1D97C2D-DB5B-473E-A1BA-0A89B90F44E1}"/>
+                <a16:creationId xmlns:a16="http://schemas.microsoft.com/office/drawing/2014/main" xmlns="" id="{D1D97C2D-DB5B-473E-A1BA-0A89B90F44E1}"/>
               </a:ext>
             </a:extLst>
           </p:cNvPr>
@@ -12223,7 +12362,7 @@
           <p:cNvPr id="8" name="TextBox 7">
             <a:extLst>
               <a:ext uri="{FF2B5EF4-FFF2-40B4-BE49-F238E27FC236}">
-                <a16:creationId xmlns:a16="http://schemas.microsoft.com/office/drawing/2014/main" id="{056C2211-7106-4FD6-A571-CE08A366EB4F}"/>
+                <a16:creationId xmlns:a16="http://schemas.microsoft.com/office/drawing/2014/main" xmlns="" id="{056C2211-7106-4FD6-A571-CE08A366EB4F}"/>
               </a:ext>
             </a:extLst>
           </p:cNvPr>
@@ -12272,7 +12411,7 @@
           <p:cNvPr id="3" name="Group 2">
             <a:extLst>
               <a:ext uri="{FF2B5EF4-FFF2-40B4-BE49-F238E27FC236}">
-                <a16:creationId xmlns:a16="http://schemas.microsoft.com/office/drawing/2014/main" id="{03B7E559-F9BB-40E2-8014-34B83E6E1C7A}"/>
+                <a16:creationId xmlns:a16="http://schemas.microsoft.com/office/drawing/2014/main" xmlns="" id="{03B7E559-F9BB-40E2-8014-34B83E6E1C7A}"/>
               </a:ext>
             </a:extLst>
           </p:cNvPr>
@@ -12292,7 +12431,7 @@
             <p:cNvPr id="5" name="TextBox 4">
               <a:extLst>
                 <a:ext uri="{FF2B5EF4-FFF2-40B4-BE49-F238E27FC236}">
-                  <a16:creationId xmlns:a16="http://schemas.microsoft.com/office/drawing/2014/main" id="{E3229999-BDAE-4289-96DA-8CEF971863D1}"/>
+                  <a16:creationId xmlns:a16="http://schemas.microsoft.com/office/drawing/2014/main" xmlns="" id="{E3229999-BDAE-4289-96DA-8CEF971863D1}"/>
                 </a:ext>
               </a:extLst>
             </p:cNvPr>
@@ -12339,7 +12478,7 @@
             <p:cNvPr id="10" name="Rectangle: Rounded Corners 9">
               <a:extLst>
                 <a:ext uri="{FF2B5EF4-FFF2-40B4-BE49-F238E27FC236}">
-                  <a16:creationId xmlns:a16="http://schemas.microsoft.com/office/drawing/2014/main" id="{13340966-DD71-4E7F-909D-509652E1E9FE}"/>
+                  <a16:creationId xmlns:a16="http://schemas.microsoft.com/office/drawing/2014/main" xmlns="" id="{13340966-DD71-4E7F-909D-509652E1E9FE}"/>
                 </a:ext>
               </a:extLst>
             </p:cNvPr>
@@ -12355,13 +12494,13 @@
               <a:avLst/>
             </a:prstGeom>
             <a:blipFill dpi="0" rotWithShape="1">
-              <a:blip r:embed="rId3">
+              <a:blip r:embed="rId3" cstate="print">
                 <a:extLst>
                   <a:ext uri="{28A0092B-C50C-407E-A947-70E740481C1C}">
                     <a14:useLocalDpi xmlns:a14="http://schemas.microsoft.com/office/drawing/2010/main" val="0"/>
                   </a:ext>
                   <a:ext uri="{837473B0-CC2E-450A-ABE3-18F120FF3D39}">
-                    <a1611:picAttrSrcUrl xmlns:a1611="http://schemas.microsoft.com/office/drawing/2016/11/main" r:id="rId4"/>
+                    <a1611:picAttrSrcUrl xmlns:a1611="http://schemas.microsoft.com/office/drawing/2016/11/main" xmlns="" r:id="rId4"/>
                   </a:ext>
                 </a:extLst>
               </a:blip>
@@ -12417,7 +12556,7 @@
             <p:cNvPr id="11" name="Rectangle: Rounded Corners 10">
               <a:extLst>
                 <a:ext uri="{FF2B5EF4-FFF2-40B4-BE49-F238E27FC236}">
-                  <a16:creationId xmlns:a16="http://schemas.microsoft.com/office/drawing/2014/main" id="{BD0CDCC2-8DBF-4334-B3E0-F579ABCAC68F}"/>
+                  <a16:creationId xmlns:a16="http://schemas.microsoft.com/office/drawing/2014/main" xmlns="" id="{BD0CDCC2-8DBF-4334-B3E0-F579ABCAC68F}"/>
                 </a:ext>
               </a:extLst>
             </p:cNvPr>
@@ -12439,7 +12578,7 @@
                     <a14:useLocalDpi xmlns:a14="http://schemas.microsoft.com/office/drawing/2010/main" val="0"/>
                   </a:ext>
                   <a:ext uri="{837473B0-CC2E-450A-ABE3-18F120FF3D39}">
-                    <a1611:picAttrSrcUrl xmlns:a1611="http://schemas.microsoft.com/office/drawing/2016/11/main" r:id="rId6"/>
+                    <a1611:picAttrSrcUrl xmlns:a1611="http://schemas.microsoft.com/office/drawing/2016/11/main" xmlns="" r:id="rId6"/>
                   </a:ext>
                 </a:extLst>
               </a:blip>
@@ -12495,7 +12634,7 @@
             <p:cNvPr id="12" name="Rectangle: Rounded Corners 11">
               <a:extLst>
                 <a:ext uri="{FF2B5EF4-FFF2-40B4-BE49-F238E27FC236}">
-                  <a16:creationId xmlns:a16="http://schemas.microsoft.com/office/drawing/2014/main" id="{4C1DC47E-49E2-443E-A831-05B801C00029}"/>
+                  <a16:creationId xmlns:a16="http://schemas.microsoft.com/office/drawing/2014/main" xmlns="" id="{4C1DC47E-49E2-443E-A831-05B801C00029}"/>
                 </a:ext>
               </a:extLst>
             </p:cNvPr>
@@ -12511,13 +12650,13 @@
               <a:avLst/>
             </a:prstGeom>
             <a:blipFill dpi="0" rotWithShape="1">
-              <a:blip r:embed="rId7">
+              <a:blip r:embed="rId7" cstate="print">
                 <a:extLst>
                   <a:ext uri="{28A0092B-C50C-407E-A947-70E740481C1C}">
                     <a14:useLocalDpi xmlns:a14="http://schemas.microsoft.com/office/drawing/2010/main" val="0"/>
                   </a:ext>
                   <a:ext uri="{837473B0-CC2E-450A-ABE3-18F120FF3D39}">
-                    <a1611:picAttrSrcUrl xmlns:a1611="http://schemas.microsoft.com/office/drawing/2016/11/main" r:id="rId8"/>
+                    <a1611:picAttrSrcUrl xmlns:a1611="http://schemas.microsoft.com/office/drawing/2016/11/main" xmlns="" r:id="rId8"/>
                   </a:ext>
                 </a:extLst>
               </a:blip>
@@ -12573,7 +12712,7 @@
             <p:cNvPr id="13" name="Rectangle: Rounded Corners 12">
               <a:extLst>
                 <a:ext uri="{FF2B5EF4-FFF2-40B4-BE49-F238E27FC236}">
-                  <a16:creationId xmlns:a16="http://schemas.microsoft.com/office/drawing/2014/main" id="{556B55CE-E806-47AA-AED3-61D668E2DA68}"/>
+                  <a16:creationId xmlns:a16="http://schemas.microsoft.com/office/drawing/2014/main" xmlns="" id="{556B55CE-E806-47AA-AED3-61D668E2DA68}"/>
                 </a:ext>
               </a:extLst>
             </p:cNvPr>
@@ -12595,7 +12734,7 @@
                     <a14:useLocalDpi xmlns:a14="http://schemas.microsoft.com/office/drawing/2010/main" val="0"/>
                   </a:ext>
                   <a:ext uri="{837473B0-CC2E-450A-ABE3-18F120FF3D39}">
-                    <a1611:picAttrSrcUrl xmlns:a1611="http://schemas.microsoft.com/office/drawing/2016/11/main" r:id="rId10"/>
+                    <a1611:picAttrSrcUrl xmlns:a1611="http://schemas.microsoft.com/office/drawing/2016/11/main" xmlns="" r:id="rId10"/>
                   </a:ext>
                 </a:extLst>
               </a:blip>
@@ -12651,7 +12790,7 @@
             <p:cNvPr id="14" name="Rectangle: Rounded Corners 13">
               <a:extLst>
                 <a:ext uri="{FF2B5EF4-FFF2-40B4-BE49-F238E27FC236}">
-                  <a16:creationId xmlns:a16="http://schemas.microsoft.com/office/drawing/2014/main" id="{13CD1085-3A85-4C60-850E-FB891DF91474}"/>
+                  <a16:creationId xmlns:a16="http://schemas.microsoft.com/office/drawing/2014/main" xmlns="" id="{13CD1085-3A85-4C60-850E-FB891DF91474}"/>
                 </a:ext>
               </a:extLst>
             </p:cNvPr>
@@ -12667,13 +12806,13 @@
               <a:avLst/>
             </a:prstGeom>
             <a:blipFill dpi="0" rotWithShape="1">
-              <a:blip r:embed="rId11">
+              <a:blip r:embed="rId11" cstate="print">
                 <a:extLst>
                   <a:ext uri="{28A0092B-C50C-407E-A947-70E740481C1C}">
                     <a14:useLocalDpi xmlns:a14="http://schemas.microsoft.com/office/drawing/2010/main" val="0"/>
                   </a:ext>
                   <a:ext uri="{837473B0-CC2E-450A-ABE3-18F120FF3D39}">
-                    <a1611:picAttrSrcUrl xmlns:a1611="http://schemas.microsoft.com/office/drawing/2016/11/main" r:id="rId12"/>
+                    <a1611:picAttrSrcUrl xmlns:a1611="http://schemas.microsoft.com/office/drawing/2016/11/main" xmlns="" r:id="rId12"/>
                   </a:ext>
                 </a:extLst>
               </a:blip>
@@ -12730,7 +12869,7 @@
           <p:cNvPr id="26" name="Group 25">
             <a:extLst>
               <a:ext uri="{FF2B5EF4-FFF2-40B4-BE49-F238E27FC236}">
-                <a16:creationId xmlns:a16="http://schemas.microsoft.com/office/drawing/2014/main" id="{0875F969-7BC3-4C8B-8ABD-B1874344546B}"/>
+                <a16:creationId xmlns:a16="http://schemas.microsoft.com/office/drawing/2014/main" xmlns="" id="{0875F969-7BC3-4C8B-8ABD-B1874344546B}"/>
               </a:ext>
             </a:extLst>
           </p:cNvPr>
@@ -12750,7 +12889,7 @@
             <p:cNvPr id="7" name="TextBox 6">
               <a:extLst>
                 <a:ext uri="{FF2B5EF4-FFF2-40B4-BE49-F238E27FC236}">
-                  <a16:creationId xmlns:a16="http://schemas.microsoft.com/office/drawing/2014/main" id="{7A039AB6-F5E7-451F-A7D9-9AE9E76405BE}"/>
+                  <a16:creationId xmlns:a16="http://schemas.microsoft.com/office/drawing/2014/main" xmlns="" id="{7A039AB6-F5E7-451F-A7D9-9AE9E76405BE}"/>
                 </a:ext>
               </a:extLst>
             </p:cNvPr>
@@ -12797,7 +12936,7 @@
             <p:cNvPr id="15" name="Rectangle: Rounded Corners 14">
               <a:extLst>
                 <a:ext uri="{FF2B5EF4-FFF2-40B4-BE49-F238E27FC236}">
-                  <a16:creationId xmlns:a16="http://schemas.microsoft.com/office/drawing/2014/main" id="{9EE8B082-8929-40F8-B893-FF74FBE8DA0A}"/>
+                  <a16:creationId xmlns:a16="http://schemas.microsoft.com/office/drawing/2014/main" xmlns="" id="{9EE8B082-8929-40F8-B893-FF74FBE8DA0A}"/>
                 </a:ext>
               </a:extLst>
             </p:cNvPr>
@@ -12813,13 +12952,13 @@
               <a:avLst/>
             </a:prstGeom>
             <a:blipFill dpi="0" rotWithShape="1">
-              <a:blip r:embed="rId13">
+              <a:blip r:embed="rId13" cstate="print">
                 <a:extLst>
                   <a:ext uri="{28A0092B-C50C-407E-A947-70E740481C1C}">
                     <a14:useLocalDpi xmlns:a14="http://schemas.microsoft.com/office/drawing/2010/main" val="0"/>
                   </a:ext>
                   <a:ext uri="{837473B0-CC2E-450A-ABE3-18F120FF3D39}">
-                    <a1611:picAttrSrcUrl xmlns:a1611="http://schemas.microsoft.com/office/drawing/2016/11/main" r:id="rId14"/>
+                    <a1611:picAttrSrcUrl xmlns:a1611="http://schemas.microsoft.com/office/drawing/2016/11/main" xmlns="" r:id="rId14"/>
                   </a:ext>
                 </a:extLst>
               </a:blip>
@@ -12876,7 +13015,7 @@
           <p:cNvPr id="2" name="Group 1">
             <a:extLst>
               <a:ext uri="{FF2B5EF4-FFF2-40B4-BE49-F238E27FC236}">
-                <a16:creationId xmlns:a16="http://schemas.microsoft.com/office/drawing/2014/main" id="{6364726B-D4E7-4085-9820-BBEC6804EA68}"/>
+                <a16:creationId xmlns:a16="http://schemas.microsoft.com/office/drawing/2014/main" xmlns="" id="{6364726B-D4E7-4085-9820-BBEC6804EA68}"/>
               </a:ext>
             </a:extLst>
           </p:cNvPr>
@@ -12896,7 +13035,7 @@
             <p:cNvPr id="6" name="TextBox 5">
               <a:extLst>
                 <a:ext uri="{FF2B5EF4-FFF2-40B4-BE49-F238E27FC236}">
-                  <a16:creationId xmlns:a16="http://schemas.microsoft.com/office/drawing/2014/main" id="{92D8536B-2D42-44EC-82BF-445BB36D9878}"/>
+                  <a16:creationId xmlns:a16="http://schemas.microsoft.com/office/drawing/2014/main" xmlns="" id="{92D8536B-2D42-44EC-82BF-445BB36D9878}"/>
                 </a:ext>
               </a:extLst>
             </p:cNvPr>
@@ -12943,7 +13082,7 @@
             <p:cNvPr id="16" name="Rectangle: Rounded Corners 15">
               <a:extLst>
                 <a:ext uri="{FF2B5EF4-FFF2-40B4-BE49-F238E27FC236}">
-                  <a16:creationId xmlns:a16="http://schemas.microsoft.com/office/drawing/2014/main" id="{F7E144DC-267C-42C8-857E-4DDCABB68C31}"/>
+                  <a16:creationId xmlns:a16="http://schemas.microsoft.com/office/drawing/2014/main" xmlns="" id="{F7E144DC-267C-42C8-857E-4DDCABB68C31}"/>
                 </a:ext>
               </a:extLst>
             </p:cNvPr>
@@ -12959,13 +13098,13 @@
               <a:avLst/>
             </a:prstGeom>
             <a:blipFill dpi="0" rotWithShape="1">
-              <a:blip r:embed="rId15">
+              <a:blip r:embed="rId15" cstate="print">
                 <a:extLst>
                   <a:ext uri="{28A0092B-C50C-407E-A947-70E740481C1C}">
                     <a14:useLocalDpi xmlns:a14="http://schemas.microsoft.com/office/drawing/2010/main" val="0"/>
                   </a:ext>
                   <a:ext uri="{837473B0-CC2E-450A-ABE3-18F120FF3D39}">
-                    <a1611:picAttrSrcUrl xmlns:a1611="http://schemas.microsoft.com/office/drawing/2016/11/main" r:id="rId16"/>
+                    <a1611:picAttrSrcUrl xmlns:a1611="http://schemas.microsoft.com/office/drawing/2016/11/main" xmlns="" r:id="rId16"/>
                   </a:ext>
                 </a:extLst>
               </a:blip>
@@ -13022,7 +13161,7 @@
           <p:cNvPr id="17" name="Group 16">
             <a:extLst>
               <a:ext uri="{FF2B5EF4-FFF2-40B4-BE49-F238E27FC236}">
-                <a16:creationId xmlns:a16="http://schemas.microsoft.com/office/drawing/2014/main" id="{A3458E92-53EA-436E-8A3D-C5629C2CBD6C}"/>
+                <a16:creationId xmlns:a16="http://schemas.microsoft.com/office/drawing/2014/main" xmlns="" id="{A3458E92-53EA-436E-8A3D-C5629C2CBD6C}"/>
               </a:ext>
             </a:extLst>
           </p:cNvPr>
@@ -13042,7 +13181,7 @@
             <p:cNvPr id="18" name="Rectangle: Rounded Corners 17">
               <a:extLst>
                 <a:ext uri="{FF2B5EF4-FFF2-40B4-BE49-F238E27FC236}">
-                  <a16:creationId xmlns:a16="http://schemas.microsoft.com/office/drawing/2014/main" id="{17B8EA31-89CA-4A67-A211-9B3A56DA4D90}"/>
+                  <a16:creationId xmlns:a16="http://schemas.microsoft.com/office/drawing/2014/main" xmlns="" id="{17B8EA31-89CA-4A67-A211-9B3A56DA4D90}"/>
                 </a:ext>
               </a:extLst>
             </p:cNvPr>
@@ -13099,7 +13238,7 @@
             <p:cNvPr id="19" name="TextBox 18">
               <a:extLst>
                 <a:ext uri="{FF2B5EF4-FFF2-40B4-BE49-F238E27FC236}">
-                  <a16:creationId xmlns:a16="http://schemas.microsoft.com/office/drawing/2014/main" id="{1B4E9A5E-9278-4BEC-A96B-A15B26EB8325}"/>
+                  <a16:creationId xmlns:a16="http://schemas.microsoft.com/office/drawing/2014/main" xmlns="" id="{1B4E9A5E-9278-4BEC-A96B-A15B26EB8325}"/>
                 </a:ext>
               </a:extLst>
             </p:cNvPr>
@@ -13139,7 +13278,7 @@
             <p:cNvPr id="20" name="Arrow: Down 19">
               <a:extLst>
                 <a:ext uri="{FF2B5EF4-FFF2-40B4-BE49-F238E27FC236}">
-                  <a16:creationId xmlns:a16="http://schemas.microsoft.com/office/drawing/2014/main" id="{9E47A10E-46F8-4CAD-AEB7-0540EC6DE06F}"/>
+                  <a16:creationId xmlns:a16="http://schemas.microsoft.com/office/drawing/2014/main" xmlns="" id="{9E47A10E-46F8-4CAD-AEB7-0540EC6DE06F}"/>
                 </a:ext>
               </a:extLst>
             </p:cNvPr>
@@ -13211,7 +13350,7 @@
             <p:cNvPr id="21" name="TextBox 20">
               <a:extLst>
                 <a:ext uri="{FF2B5EF4-FFF2-40B4-BE49-F238E27FC236}">
-                  <a16:creationId xmlns:a16="http://schemas.microsoft.com/office/drawing/2014/main" id="{82C3DD00-053D-4822-8D89-FED32E710B26}"/>
+                  <a16:creationId xmlns:a16="http://schemas.microsoft.com/office/drawing/2014/main" xmlns="" id="{82C3DD00-053D-4822-8D89-FED32E710B26}"/>
                 </a:ext>
               </a:extLst>
             </p:cNvPr>
@@ -13252,7 +13391,7 @@
           <p:cNvPr id="28" name="Slide Number Placeholder 9">
             <a:extLst>
               <a:ext uri="{FF2B5EF4-FFF2-40B4-BE49-F238E27FC236}">
-                <a16:creationId xmlns:a16="http://schemas.microsoft.com/office/drawing/2014/main" id="{21C25F27-55BD-4CA8-A18E-59859AFF1B43}"/>
+                <a16:creationId xmlns:a16="http://schemas.microsoft.com/office/drawing/2014/main" xmlns="" id="{21C25F27-55BD-4CA8-A18E-59859AFF1B43}"/>
               </a:ext>
             </a:extLst>
           </p:cNvPr>
@@ -13774,7 +13913,7 @@
           <p:cNvPr id="8" name="TextBox 7">
             <a:extLst>
               <a:ext uri="{FF2B5EF4-FFF2-40B4-BE49-F238E27FC236}">
-                <a16:creationId xmlns:a16="http://schemas.microsoft.com/office/drawing/2014/main" id="{056C2211-7106-4FD6-A571-CE08A366EB4F}"/>
+                <a16:creationId xmlns:a16="http://schemas.microsoft.com/office/drawing/2014/main" xmlns="" id="{056C2211-7106-4FD6-A571-CE08A366EB4F}"/>
               </a:ext>
             </a:extLst>
           </p:cNvPr>
@@ -13814,7 +13953,7 @@
           <p:cNvPr id="2" name="Group 1">
             <a:extLst>
               <a:ext uri="{FF2B5EF4-FFF2-40B4-BE49-F238E27FC236}">
-                <a16:creationId xmlns:a16="http://schemas.microsoft.com/office/drawing/2014/main" id="{7663D58D-FFE7-4F2C-94BA-5A0A72CB51BC}"/>
+                <a16:creationId xmlns:a16="http://schemas.microsoft.com/office/drawing/2014/main" xmlns="" id="{7663D58D-FFE7-4F2C-94BA-5A0A72CB51BC}"/>
               </a:ext>
             </a:extLst>
           </p:cNvPr>
@@ -13834,7 +13973,7 @@
             <p:cNvPr id="5" name="Group 4">
               <a:extLst>
                 <a:ext uri="{FF2B5EF4-FFF2-40B4-BE49-F238E27FC236}">
-                  <a16:creationId xmlns:a16="http://schemas.microsoft.com/office/drawing/2014/main" id="{A29442AB-6954-4B1B-AAD8-16309C4C3E55}"/>
+                  <a16:creationId xmlns:a16="http://schemas.microsoft.com/office/drawing/2014/main" xmlns="" id="{A29442AB-6954-4B1B-AAD8-16309C4C3E55}"/>
                 </a:ext>
               </a:extLst>
             </p:cNvPr>
@@ -13854,7 +13993,7 @@
               <p:cNvPr id="6" name="Rectangle: Rounded Corners 5">
                 <a:extLst>
                   <a:ext uri="{FF2B5EF4-FFF2-40B4-BE49-F238E27FC236}">
-                    <a16:creationId xmlns:a16="http://schemas.microsoft.com/office/drawing/2014/main" id="{8C7F08C2-B79D-47EC-8361-8A564621F9B5}"/>
+                    <a16:creationId xmlns:a16="http://schemas.microsoft.com/office/drawing/2014/main" xmlns="" id="{8C7F08C2-B79D-47EC-8361-8A564621F9B5}"/>
                   </a:ext>
                 </a:extLst>
               </p:cNvPr>
@@ -13929,7 +14068,7 @@
               <p:cNvPr id="7" name="Rectangle: Rounded Corners 6">
                 <a:extLst>
                   <a:ext uri="{FF2B5EF4-FFF2-40B4-BE49-F238E27FC236}">
-                    <a16:creationId xmlns:a16="http://schemas.microsoft.com/office/drawing/2014/main" id="{D7037464-A37A-422A-AF9A-931D1786CD0D}"/>
+                    <a16:creationId xmlns:a16="http://schemas.microsoft.com/office/drawing/2014/main" xmlns="" id="{D7037464-A37A-422A-AF9A-931D1786CD0D}"/>
                   </a:ext>
                 </a:extLst>
               </p:cNvPr>
@@ -14004,7 +14143,7 @@
               <p:cNvPr id="10" name="Rectangle: Rounded Corners 9">
                 <a:extLst>
                   <a:ext uri="{FF2B5EF4-FFF2-40B4-BE49-F238E27FC236}">
-                    <a16:creationId xmlns:a16="http://schemas.microsoft.com/office/drawing/2014/main" id="{2238A099-DBF7-48AA-9023-E195190467FE}"/>
+                    <a16:creationId xmlns:a16="http://schemas.microsoft.com/office/drawing/2014/main" xmlns="" id="{2238A099-DBF7-48AA-9023-E195190467FE}"/>
                   </a:ext>
                 </a:extLst>
               </p:cNvPr>
@@ -14079,7 +14218,7 @@
               <p:cNvPr id="11" name="Rectangle: Rounded Corners 10">
                 <a:extLst>
                   <a:ext uri="{FF2B5EF4-FFF2-40B4-BE49-F238E27FC236}">
-                    <a16:creationId xmlns:a16="http://schemas.microsoft.com/office/drawing/2014/main" id="{ECD51F06-DDDE-49DA-9438-D3E06962D297}"/>
+                    <a16:creationId xmlns:a16="http://schemas.microsoft.com/office/drawing/2014/main" xmlns="" id="{ECD51F06-DDDE-49DA-9438-D3E06962D297}"/>
                   </a:ext>
                 </a:extLst>
               </p:cNvPr>
@@ -14154,7 +14293,7 @@
               <p:cNvPr id="12" name="Rectangle: Rounded Corners 11">
                 <a:extLst>
                   <a:ext uri="{FF2B5EF4-FFF2-40B4-BE49-F238E27FC236}">
-                    <a16:creationId xmlns:a16="http://schemas.microsoft.com/office/drawing/2014/main" id="{B8F810C6-39A6-410F-BA6A-33FCB69FC5FA}"/>
+                    <a16:creationId xmlns:a16="http://schemas.microsoft.com/office/drawing/2014/main" xmlns="" id="{B8F810C6-39A6-410F-BA6A-33FCB69FC5FA}"/>
                   </a:ext>
                 </a:extLst>
               </p:cNvPr>
@@ -14229,7 +14368,7 @@
               <p:cNvPr id="13" name="Rectangle: Rounded Corners 12">
                 <a:extLst>
                   <a:ext uri="{FF2B5EF4-FFF2-40B4-BE49-F238E27FC236}">
-                    <a16:creationId xmlns:a16="http://schemas.microsoft.com/office/drawing/2014/main" id="{638DD911-5DC5-470A-A485-19760A6FEDF4}"/>
+                    <a16:creationId xmlns:a16="http://schemas.microsoft.com/office/drawing/2014/main" xmlns="" id="{638DD911-5DC5-470A-A485-19760A6FEDF4}"/>
                   </a:ext>
                 </a:extLst>
               </p:cNvPr>
@@ -14304,7 +14443,7 @@
               <p:cNvPr id="14" name="Rectangle: Rounded Corners 13">
                 <a:extLst>
                   <a:ext uri="{FF2B5EF4-FFF2-40B4-BE49-F238E27FC236}">
-                    <a16:creationId xmlns:a16="http://schemas.microsoft.com/office/drawing/2014/main" id="{1DE6FF4F-9DE6-45F5-885A-4B6B4B045AA2}"/>
+                    <a16:creationId xmlns:a16="http://schemas.microsoft.com/office/drawing/2014/main" xmlns="" id="{1DE6FF4F-9DE6-45F5-885A-4B6B4B045AA2}"/>
                   </a:ext>
                 </a:extLst>
               </p:cNvPr>
@@ -14379,7 +14518,7 @@
               <p:cNvPr id="15" name="Rectangle: Rounded Corners 14">
                 <a:extLst>
                   <a:ext uri="{FF2B5EF4-FFF2-40B4-BE49-F238E27FC236}">
-                    <a16:creationId xmlns:a16="http://schemas.microsoft.com/office/drawing/2014/main" id="{3586D1F7-9099-4955-A719-2B5268627CA0}"/>
+                    <a16:creationId xmlns:a16="http://schemas.microsoft.com/office/drawing/2014/main" xmlns="" id="{3586D1F7-9099-4955-A719-2B5268627CA0}"/>
                   </a:ext>
                 </a:extLst>
               </p:cNvPr>
@@ -14454,7 +14593,7 @@
               <p:cNvPr id="16" name="Rectangle: Rounded Corners 15">
                 <a:extLst>
                   <a:ext uri="{FF2B5EF4-FFF2-40B4-BE49-F238E27FC236}">
-                    <a16:creationId xmlns:a16="http://schemas.microsoft.com/office/drawing/2014/main" id="{4C92F109-45E0-40FE-BF61-032AB6EA7DAD}"/>
+                    <a16:creationId xmlns:a16="http://schemas.microsoft.com/office/drawing/2014/main" xmlns="" id="{4C92F109-45E0-40FE-BF61-032AB6EA7DAD}"/>
                   </a:ext>
                 </a:extLst>
               </p:cNvPr>
@@ -14520,7 +14659,7 @@
               <p:cNvPr id="17" name="Rectangle: Rounded Corners 16">
                 <a:extLst>
                   <a:ext uri="{FF2B5EF4-FFF2-40B4-BE49-F238E27FC236}">
-                    <a16:creationId xmlns:a16="http://schemas.microsoft.com/office/drawing/2014/main" id="{3C2EAF95-07BA-4134-82A3-CFEC50B63F44}"/>
+                    <a16:creationId xmlns:a16="http://schemas.microsoft.com/office/drawing/2014/main" xmlns="" id="{3C2EAF95-07BA-4134-82A3-CFEC50B63F44}"/>
                   </a:ext>
                 </a:extLst>
               </p:cNvPr>
@@ -14586,7 +14725,7 @@
               <p:cNvPr id="18" name="Rectangle: Rounded Corners 17">
                 <a:extLst>
                   <a:ext uri="{FF2B5EF4-FFF2-40B4-BE49-F238E27FC236}">
-                    <a16:creationId xmlns:a16="http://schemas.microsoft.com/office/drawing/2014/main" id="{6856B431-B18F-4DC0-8F0A-0797976BE52E}"/>
+                    <a16:creationId xmlns:a16="http://schemas.microsoft.com/office/drawing/2014/main" xmlns="" id="{6856B431-B18F-4DC0-8F0A-0797976BE52E}"/>
                   </a:ext>
                 </a:extLst>
               </p:cNvPr>
@@ -14652,7 +14791,7 @@
               <p:cNvPr id="19" name="Rectangle: Rounded Corners 18">
                 <a:extLst>
                   <a:ext uri="{FF2B5EF4-FFF2-40B4-BE49-F238E27FC236}">
-                    <a16:creationId xmlns:a16="http://schemas.microsoft.com/office/drawing/2014/main" id="{6C8BAFFE-6E58-428F-936C-360F0B44020F}"/>
+                    <a16:creationId xmlns:a16="http://schemas.microsoft.com/office/drawing/2014/main" xmlns="" id="{6C8BAFFE-6E58-428F-936C-360F0B44020F}"/>
                   </a:ext>
                 </a:extLst>
               </p:cNvPr>
@@ -14718,7 +14857,7 @@
               <p:cNvPr id="20" name="Rectangle: Rounded Corners 19">
                 <a:extLst>
                   <a:ext uri="{FF2B5EF4-FFF2-40B4-BE49-F238E27FC236}">
-                    <a16:creationId xmlns:a16="http://schemas.microsoft.com/office/drawing/2014/main" id="{A72E7594-8116-4BAF-A9A1-9C4C3C7885C0}"/>
+                    <a16:creationId xmlns:a16="http://schemas.microsoft.com/office/drawing/2014/main" xmlns="" id="{A72E7594-8116-4BAF-A9A1-9C4C3C7885C0}"/>
                   </a:ext>
                 </a:extLst>
               </p:cNvPr>
@@ -14784,7 +14923,7 @@
               <p:cNvPr id="21" name="Rectangle: Rounded Corners 20">
                 <a:extLst>
                   <a:ext uri="{FF2B5EF4-FFF2-40B4-BE49-F238E27FC236}">
-                    <a16:creationId xmlns:a16="http://schemas.microsoft.com/office/drawing/2014/main" id="{4162087D-0E05-4088-8E1B-BF7773CEF1BC}"/>
+                    <a16:creationId xmlns:a16="http://schemas.microsoft.com/office/drawing/2014/main" xmlns="" id="{4162087D-0E05-4088-8E1B-BF7773CEF1BC}"/>
                   </a:ext>
                 </a:extLst>
               </p:cNvPr>
@@ -14850,7 +14989,7 @@
               <p:cNvPr id="22" name="Rectangle: Rounded Corners 21">
                 <a:extLst>
                   <a:ext uri="{FF2B5EF4-FFF2-40B4-BE49-F238E27FC236}">
-                    <a16:creationId xmlns:a16="http://schemas.microsoft.com/office/drawing/2014/main" id="{2C8EB3DC-52DA-4055-B041-ABD9DA58CE30}"/>
+                    <a16:creationId xmlns:a16="http://schemas.microsoft.com/office/drawing/2014/main" xmlns="" id="{2C8EB3DC-52DA-4055-B041-ABD9DA58CE30}"/>
                   </a:ext>
                 </a:extLst>
               </p:cNvPr>
@@ -14916,7 +15055,7 @@
               <p:cNvPr id="23" name="Rectangle: Rounded Corners 22">
                 <a:extLst>
                   <a:ext uri="{FF2B5EF4-FFF2-40B4-BE49-F238E27FC236}">
-                    <a16:creationId xmlns:a16="http://schemas.microsoft.com/office/drawing/2014/main" id="{706103DD-30BA-44AF-9410-BA0C46070BE8}"/>
+                    <a16:creationId xmlns:a16="http://schemas.microsoft.com/office/drawing/2014/main" xmlns="" id="{706103DD-30BA-44AF-9410-BA0C46070BE8}"/>
                   </a:ext>
                 </a:extLst>
               </p:cNvPr>
@@ -14982,7 +15121,7 @@
               <p:cNvPr id="24" name="TextBox 23">
                 <a:extLst>
                   <a:ext uri="{FF2B5EF4-FFF2-40B4-BE49-F238E27FC236}">
-                    <a16:creationId xmlns:a16="http://schemas.microsoft.com/office/drawing/2014/main" id="{78EB571D-B4BB-4E87-A00C-D603620C5E5E}"/>
+                    <a16:creationId xmlns:a16="http://schemas.microsoft.com/office/drawing/2014/main" xmlns="" id="{78EB571D-B4BB-4E87-A00C-D603620C5E5E}"/>
                   </a:ext>
                 </a:extLst>
               </p:cNvPr>
@@ -15056,7 +15195,7 @@
               <p:cNvPr id="25" name="TextBox 24">
                 <a:extLst>
                   <a:ext uri="{FF2B5EF4-FFF2-40B4-BE49-F238E27FC236}">
-                    <a16:creationId xmlns:a16="http://schemas.microsoft.com/office/drawing/2014/main" id="{799F7B2C-25CC-433D-8F2E-D413DC0D2A3E}"/>
+                    <a16:creationId xmlns:a16="http://schemas.microsoft.com/office/drawing/2014/main" xmlns="" id="{799F7B2C-25CC-433D-8F2E-D413DC0D2A3E}"/>
                   </a:ext>
                 </a:extLst>
               </p:cNvPr>
@@ -15130,7 +15269,7 @@
               <p:cNvPr id="26" name="TextBox 25">
                 <a:extLst>
                   <a:ext uri="{FF2B5EF4-FFF2-40B4-BE49-F238E27FC236}">
-                    <a16:creationId xmlns:a16="http://schemas.microsoft.com/office/drawing/2014/main" id="{3998F79B-2933-4F20-B77F-614E4B406844}"/>
+                    <a16:creationId xmlns:a16="http://schemas.microsoft.com/office/drawing/2014/main" xmlns="" id="{3998F79B-2933-4F20-B77F-614E4B406844}"/>
                   </a:ext>
                 </a:extLst>
               </p:cNvPr>
@@ -15204,7 +15343,7 @@
               <p:cNvPr id="27" name="TextBox 26">
                 <a:extLst>
                   <a:ext uri="{FF2B5EF4-FFF2-40B4-BE49-F238E27FC236}">
-                    <a16:creationId xmlns:a16="http://schemas.microsoft.com/office/drawing/2014/main" id="{436F7B8A-D870-4B75-89BA-8264D99A95C1}"/>
+                    <a16:creationId xmlns:a16="http://schemas.microsoft.com/office/drawing/2014/main" xmlns="" id="{436F7B8A-D870-4B75-89BA-8264D99A95C1}"/>
                   </a:ext>
                 </a:extLst>
               </p:cNvPr>
@@ -15279,7 +15418,7 @@
             <p:cNvPr id="28" name="TextBox 27">
               <a:extLst>
                 <a:ext uri="{FF2B5EF4-FFF2-40B4-BE49-F238E27FC236}">
-                  <a16:creationId xmlns:a16="http://schemas.microsoft.com/office/drawing/2014/main" id="{D031ABB6-9E31-4CFC-8BB4-5B2097B0D13E}"/>
+                  <a16:creationId xmlns:a16="http://schemas.microsoft.com/office/drawing/2014/main" xmlns="" id="{D031ABB6-9E31-4CFC-8BB4-5B2097B0D13E}"/>
                 </a:ext>
               </a:extLst>
             </p:cNvPr>
@@ -15344,7 +15483,7 @@
             <p:cNvPr id="29" name="TextBox 28">
               <a:extLst>
                 <a:ext uri="{FF2B5EF4-FFF2-40B4-BE49-F238E27FC236}">
-                  <a16:creationId xmlns:a16="http://schemas.microsoft.com/office/drawing/2014/main" id="{3E88E8C9-9F5A-4C9B-ADA2-9CF72686881B}"/>
+                  <a16:creationId xmlns:a16="http://schemas.microsoft.com/office/drawing/2014/main" xmlns="" id="{3E88E8C9-9F5A-4C9B-ADA2-9CF72686881B}"/>
                 </a:ext>
               </a:extLst>
             </p:cNvPr>
@@ -15409,7 +15548,7 @@
             <p:cNvPr id="30" name="TextBox 29">
               <a:extLst>
                 <a:ext uri="{FF2B5EF4-FFF2-40B4-BE49-F238E27FC236}">
-                  <a16:creationId xmlns:a16="http://schemas.microsoft.com/office/drawing/2014/main" id="{2256E0FD-AF18-4585-82BE-F28E0BFE6EBF}"/>
+                  <a16:creationId xmlns:a16="http://schemas.microsoft.com/office/drawing/2014/main" xmlns="" id="{2256E0FD-AF18-4585-82BE-F28E0BFE6EBF}"/>
                 </a:ext>
               </a:extLst>
             </p:cNvPr>
@@ -15474,7 +15613,7 @@
             <p:cNvPr id="31" name="TextBox 30">
               <a:extLst>
                 <a:ext uri="{FF2B5EF4-FFF2-40B4-BE49-F238E27FC236}">
-                  <a16:creationId xmlns:a16="http://schemas.microsoft.com/office/drawing/2014/main" id="{98CF683C-F812-40AB-ACCE-AFDE8415C53A}"/>
+                  <a16:creationId xmlns:a16="http://schemas.microsoft.com/office/drawing/2014/main" xmlns="" id="{98CF683C-F812-40AB-ACCE-AFDE8415C53A}"/>
                 </a:ext>
               </a:extLst>
             </p:cNvPr>
@@ -15540,7 +15679,7 @@
           <p:cNvPr id="32" name="Slide Number Placeholder 9">
             <a:extLst>
               <a:ext uri="{FF2B5EF4-FFF2-40B4-BE49-F238E27FC236}">
-                <a16:creationId xmlns:a16="http://schemas.microsoft.com/office/drawing/2014/main" id="{39A472E0-B033-4A77-9C03-3F0E3599A6B8}"/>
+                <a16:creationId xmlns:a16="http://schemas.microsoft.com/office/drawing/2014/main" xmlns="" id="{39A472E0-B033-4A77-9C03-3F0E3599A6B8}"/>
               </a:ext>
             </a:extLst>
           </p:cNvPr>
@@ -15765,7 +15904,7 @@
           <p:cNvPr id="8" name="TextBox 7">
             <a:extLst>
               <a:ext uri="{FF2B5EF4-FFF2-40B4-BE49-F238E27FC236}">
-                <a16:creationId xmlns:a16="http://schemas.microsoft.com/office/drawing/2014/main" id="{056C2211-7106-4FD6-A571-CE08A366EB4F}"/>
+                <a16:creationId xmlns:a16="http://schemas.microsoft.com/office/drawing/2014/main" xmlns="" id="{056C2211-7106-4FD6-A571-CE08A366EB4F}"/>
               </a:ext>
             </a:extLst>
           </p:cNvPr>
@@ -15805,7 +15944,7 @@
           <p:cNvPr id="2" name="Group 1">
             <a:extLst>
               <a:ext uri="{FF2B5EF4-FFF2-40B4-BE49-F238E27FC236}">
-                <a16:creationId xmlns:a16="http://schemas.microsoft.com/office/drawing/2014/main" id="{7663D58D-FFE7-4F2C-94BA-5A0A72CB51BC}"/>
+                <a16:creationId xmlns:a16="http://schemas.microsoft.com/office/drawing/2014/main" xmlns="" id="{7663D58D-FFE7-4F2C-94BA-5A0A72CB51BC}"/>
               </a:ext>
             </a:extLst>
           </p:cNvPr>
@@ -15825,7 +15964,7 @@
             <p:cNvPr id="5" name="Group 4">
               <a:extLst>
                 <a:ext uri="{FF2B5EF4-FFF2-40B4-BE49-F238E27FC236}">
-                  <a16:creationId xmlns:a16="http://schemas.microsoft.com/office/drawing/2014/main" id="{A29442AB-6954-4B1B-AAD8-16309C4C3E55}"/>
+                  <a16:creationId xmlns:a16="http://schemas.microsoft.com/office/drawing/2014/main" xmlns="" id="{A29442AB-6954-4B1B-AAD8-16309C4C3E55}"/>
                 </a:ext>
               </a:extLst>
             </p:cNvPr>
@@ -15845,7 +15984,7 @@
               <p:cNvPr id="6" name="Rectangle: Rounded Corners 5">
                 <a:extLst>
                   <a:ext uri="{FF2B5EF4-FFF2-40B4-BE49-F238E27FC236}">
-                    <a16:creationId xmlns:a16="http://schemas.microsoft.com/office/drawing/2014/main" id="{8C7F08C2-B79D-47EC-8361-8A564621F9B5}"/>
+                    <a16:creationId xmlns:a16="http://schemas.microsoft.com/office/drawing/2014/main" xmlns="" id="{8C7F08C2-B79D-47EC-8361-8A564621F9B5}"/>
                   </a:ext>
                 </a:extLst>
               </p:cNvPr>
@@ -15920,7 +16059,7 @@
               <p:cNvPr id="7" name="Rectangle: Rounded Corners 6">
                 <a:extLst>
                   <a:ext uri="{FF2B5EF4-FFF2-40B4-BE49-F238E27FC236}">
-                    <a16:creationId xmlns:a16="http://schemas.microsoft.com/office/drawing/2014/main" id="{D7037464-A37A-422A-AF9A-931D1786CD0D}"/>
+                    <a16:creationId xmlns:a16="http://schemas.microsoft.com/office/drawing/2014/main" xmlns="" id="{D7037464-A37A-422A-AF9A-931D1786CD0D}"/>
                   </a:ext>
                 </a:extLst>
               </p:cNvPr>
@@ -15995,7 +16134,7 @@
               <p:cNvPr id="10" name="Rectangle: Rounded Corners 9">
                 <a:extLst>
                   <a:ext uri="{FF2B5EF4-FFF2-40B4-BE49-F238E27FC236}">
-                    <a16:creationId xmlns:a16="http://schemas.microsoft.com/office/drawing/2014/main" id="{2238A099-DBF7-48AA-9023-E195190467FE}"/>
+                    <a16:creationId xmlns:a16="http://schemas.microsoft.com/office/drawing/2014/main" xmlns="" id="{2238A099-DBF7-48AA-9023-E195190467FE}"/>
                   </a:ext>
                 </a:extLst>
               </p:cNvPr>
@@ -16070,7 +16209,7 @@
               <p:cNvPr id="11" name="Rectangle: Rounded Corners 10">
                 <a:extLst>
                   <a:ext uri="{FF2B5EF4-FFF2-40B4-BE49-F238E27FC236}">
-                    <a16:creationId xmlns:a16="http://schemas.microsoft.com/office/drawing/2014/main" id="{ECD51F06-DDDE-49DA-9438-D3E06962D297}"/>
+                    <a16:creationId xmlns:a16="http://schemas.microsoft.com/office/drawing/2014/main" xmlns="" id="{ECD51F06-DDDE-49DA-9438-D3E06962D297}"/>
                   </a:ext>
                 </a:extLst>
               </p:cNvPr>
@@ -16145,7 +16284,7 @@
               <p:cNvPr id="12" name="Rectangle: Rounded Corners 11">
                 <a:extLst>
                   <a:ext uri="{FF2B5EF4-FFF2-40B4-BE49-F238E27FC236}">
-                    <a16:creationId xmlns:a16="http://schemas.microsoft.com/office/drawing/2014/main" id="{B8F810C6-39A6-410F-BA6A-33FCB69FC5FA}"/>
+                    <a16:creationId xmlns:a16="http://schemas.microsoft.com/office/drawing/2014/main" xmlns="" id="{B8F810C6-39A6-410F-BA6A-33FCB69FC5FA}"/>
                   </a:ext>
                 </a:extLst>
               </p:cNvPr>
@@ -16220,7 +16359,7 @@
               <p:cNvPr id="13" name="Rectangle: Rounded Corners 12">
                 <a:extLst>
                   <a:ext uri="{FF2B5EF4-FFF2-40B4-BE49-F238E27FC236}">
-                    <a16:creationId xmlns:a16="http://schemas.microsoft.com/office/drawing/2014/main" id="{638DD911-5DC5-470A-A485-19760A6FEDF4}"/>
+                    <a16:creationId xmlns:a16="http://schemas.microsoft.com/office/drawing/2014/main" xmlns="" id="{638DD911-5DC5-470A-A485-19760A6FEDF4}"/>
                   </a:ext>
                 </a:extLst>
               </p:cNvPr>
@@ -16295,7 +16434,7 @@
               <p:cNvPr id="14" name="Rectangle: Rounded Corners 13">
                 <a:extLst>
                   <a:ext uri="{FF2B5EF4-FFF2-40B4-BE49-F238E27FC236}">
-                    <a16:creationId xmlns:a16="http://schemas.microsoft.com/office/drawing/2014/main" id="{1DE6FF4F-9DE6-45F5-885A-4B6B4B045AA2}"/>
+                    <a16:creationId xmlns:a16="http://schemas.microsoft.com/office/drawing/2014/main" xmlns="" id="{1DE6FF4F-9DE6-45F5-885A-4B6B4B045AA2}"/>
                   </a:ext>
                 </a:extLst>
               </p:cNvPr>
@@ -16370,7 +16509,7 @@
               <p:cNvPr id="15" name="Rectangle: Rounded Corners 14">
                 <a:extLst>
                   <a:ext uri="{FF2B5EF4-FFF2-40B4-BE49-F238E27FC236}">
-                    <a16:creationId xmlns:a16="http://schemas.microsoft.com/office/drawing/2014/main" id="{3586D1F7-9099-4955-A719-2B5268627CA0}"/>
+                    <a16:creationId xmlns:a16="http://schemas.microsoft.com/office/drawing/2014/main" xmlns="" id="{3586D1F7-9099-4955-A719-2B5268627CA0}"/>
                   </a:ext>
                 </a:extLst>
               </p:cNvPr>
@@ -16445,7 +16584,7 @@
               <p:cNvPr id="16" name="Rectangle: Rounded Corners 15">
                 <a:extLst>
                   <a:ext uri="{FF2B5EF4-FFF2-40B4-BE49-F238E27FC236}">
-                    <a16:creationId xmlns:a16="http://schemas.microsoft.com/office/drawing/2014/main" id="{4C92F109-45E0-40FE-BF61-032AB6EA7DAD}"/>
+                    <a16:creationId xmlns:a16="http://schemas.microsoft.com/office/drawing/2014/main" xmlns="" id="{4C92F109-45E0-40FE-BF61-032AB6EA7DAD}"/>
                   </a:ext>
                 </a:extLst>
               </p:cNvPr>
@@ -16514,7 +16653,7 @@
               <p:cNvPr id="17" name="Rectangle: Rounded Corners 16">
                 <a:extLst>
                   <a:ext uri="{FF2B5EF4-FFF2-40B4-BE49-F238E27FC236}">
-                    <a16:creationId xmlns:a16="http://schemas.microsoft.com/office/drawing/2014/main" id="{3C2EAF95-07BA-4134-82A3-CFEC50B63F44}"/>
+                    <a16:creationId xmlns:a16="http://schemas.microsoft.com/office/drawing/2014/main" xmlns="" id="{3C2EAF95-07BA-4134-82A3-CFEC50B63F44}"/>
                   </a:ext>
                 </a:extLst>
               </p:cNvPr>
@@ -16580,7 +16719,7 @@
               <p:cNvPr id="18" name="Rectangle: Rounded Corners 17">
                 <a:extLst>
                   <a:ext uri="{FF2B5EF4-FFF2-40B4-BE49-F238E27FC236}">
-                    <a16:creationId xmlns:a16="http://schemas.microsoft.com/office/drawing/2014/main" id="{6856B431-B18F-4DC0-8F0A-0797976BE52E}"/>
+                    <a16:creationId xmlns:a16="http://schemas.microsoft.com/office/drawing/2014/main" xmlns="" id="{6856B431-B18F-4DC0-8F0A-0797976BE52E}"/>
                   </a:ext>
                 </a:extLst>
               </p:cNvPr>
@@ -16646,7 +16785,7 @@
               <p:cNvPr id="19" name="Rectangle: Rounded Corners 18">
                 <a:extLst>
                   <a:ext uri="{FF2B5EF4-FFF2-40B4-BE49-F238E27FC236}">
-                    <a16:creationId xmlns:a16="http://schemas.microsoft.com/office/drawing/2014/main" id="{6C8BAFFE-6E58-428F-936C-360F0B44020F}"/>
+                    <a16:creationId xmlns:a16="http://schemas.microsoft.com/office/drawing/2014/main" xmlns="" id="{6C8BAFFE-6E58-428F-936C-360F0B44020F}"/>
                   </a:ext>
                 </a:extLst>
               </p:cNvPr>
@@ -16712,7 +16851,7 @@
               <p:cNvPr id="20" name="Rectangle: Rounded Corners 19">
                 <a:extLst>
                   <a:ext uri="{FF2B5EF4-FFF2-40B4-BE49-F238E27FC236}">
-                    <a16:creationId xmlns:a16="http://schemas.microsoft.com/office/drawing/2014/main" id="{A72E7594-8116-4BAF-A9A1-9C4C3C7885C0}"/>
+                    <a16:creationId xmlns:a16="http://schemas.microsoft.com/office/drawing/2014/main" xmlns="" id="{A72E7594-8116-4BAF-A9A1-9C4C3C7885C0}"/>
                   </a:ext>
                 </a:extLst>
               </p:cNvPr>
@@ -16778,7 +16917,7 @@
               <p:cNvPr id="21" name="Rectangle: Rounded Corners 20">
                 <a:extLst>
                   <a:ext uri="{FF2B5EF4-FFF2-40B4-BE49-F238E27FC236}">
-                    <a16:creationId xmlns:a16="http://schemas.microsoft.com/office/drawing/2014/main" id="{4162087D-0E05-4088-8E1B-BF7773CEF1BC}"/>
+                    <a16:creationId xmlns:a16="http://schemas.microsoft.com/office/drawing/2014/main" xmlns="" id="{4162087D-0E05-4088-8E1B-BF7773CEF1BC}"/>
                   </a:ext>
                 </a:extLst>
               </p:cNvPr>
@@ -16844,7 +16983,7 @@
               <p:cNvPr id="22" name="Rectangle: Rounded Corners 21">
                 <a:extLst>
                   <a:ext uri="{FF2B5EF4-FFF2-40B4-BE49-F238E27FC236}">
-                    <a16:creationId xmlns:a16="http://schemas.microsoft.com/office/drawing/2014/main" id="{2C8EB3DC-52DA-4055-B041-ABD9DA58CE30}"/>
+                    <a16:creationId xmlns:a16="http://schemas.microsoft.com/office/drawing/2014/main" xmlns="" id="{2C8EB3DC-52DA-4055-B041-ABD9DA58CE30}"/>
                   </a:ext>
                 </a:extLst>
               </p:cNvPr>
@@ -16910,7 +17049,7 @@
               <p:cNvPr id="23" name="Rectangle: Rounded Corners 22">
                 <a:extLst>
                   <a:ext uri="{FF2B5EF4-FFF2-40B4-BE49-F238E27FC236}">
-                    <a16:creationId xmlns:a16="http://schemas.microsoft.com/office/drawing/2014/main" id="{706103DD-30BA-44AF-9410-BA0C46070BE8}"/>
+                    <a16:creationId xmlns:a16="http://schemas.microsoft.com/office/drawing/2014/main" xmlns="" id="{706103DD-30BA-44AF-9410-BA0C46070BE8}"/>
                   </a:ext>
                 </a:extLst>
               </p:cNvPr>
@@ -16976,7 +17115,7 @@
               <p:cNvPr id="24" name="TextBox 23">
                 <a:extLst>
                   <a:ext uri="{FF2B5EF4-FFF2-40B4-BE49-F238E27FC236}">
-                    <a16:creationId xmlns:a16="http://schemas.microsoft.com/office/drawing/2014/main" id="{78EB571D-B4BB-4E87-A00C-D603620C5E5E}"/>
+                    <a16:creationId xmlns:a16="http://schemas.microsoft.com/office/drawing/2014/main" xmlns="" id="{78EB571D-B4BB-4E87-A00C-D603620C5E5E}"/>
                   </a:ext>
                 </a:extLst>
               </p:cNvPr>
@@ -17050,7 +17189,7 @@
               <p:cNvPr id="25" name="TextBox 24">
                 <a:extLst>
                   <a:ext uri="{FF2B5EF4-FFF2-40B4-BE49-F238E27FC236}">
-                    <a16:creationId xmlns:a16="http://schemas.microsoft.com/office/drawing/2014/main" id="{799F7B2C-25CC-433D-8F2E-D413DC0D2A3E}"/>
+                    <a16:creationId xmlns:a16="http://schemas.microsoft.com/office/drawing/2014/main" xmlns="" id="{799F7B2C-25CC-433D-8F2E-D413DC0D2A3E}"/>
                   </a:ext>
                 </a:extLst>
               </p:cNvPr>
@@ -17124,7 +17263,7 @@
               <p:cNvPr id="26" name="TextBox 25">
                 <a:extLst>
                   <a:ext uri="{FF2B5EF4-FFF2-40B4-BE49-F238E27FC236}">
-                    <a16:creationId xmlns:a16="http://schemas.microsoft.com/office/drawing/2014/main" id="{3998F79B-2933-4F20-B77F-614E4B406844}"/>
+                    <a16:creationId xmlns:a16="http://schemas.microsoft.com/office/drawing/2014/main" xmlns="" id="{3998F79B-2933-4F20-B77F-614E4B406844}"/>
                   </a:ext>
                 </a:extLst>
               </p:cNvPr>
@@ -17198,7 +17337,7 @@
               <p:cNvPr id="27" name="TextBox 26">
                 <a:extLst>
                   <a:ext uri="{FF2B5EF4-FFF2-40B4-BE49-F238E27FC236}">
-                    <a16:creationId xmlns:a16="http://schemas.microsoft.com/office/drawing/2014/main" id="{436F7B8A-D870-4B75-89BA-8264D99A95C1}"/>
+                    <a16:creationId xmlns:a16="http://schemas.microsoft.com/office/drawing/2014/main" xmlns="" id="{436F7B8A-D870-4B75-89BA-8264D99A95C1}"/>
                   </a:ext>
                 </a:extLst>
               </p:cNvPr>
@@ -17273,7 +17412,7 @@
             <p:cNvPr id="28" name="TextBox 27">
               <a:extLst>
                 <a:ext uri="{FF2B5EF4-FFF2-40B4-BE49-F238E27FC236}">
-                  <a16:creationId xmlns:a16="http://schemas.microsoft.com/office/drawing/2014/main" id="{D031ABB6-9E31-4CFC-8BB4-5B2097B0D13E}"/>
+                  <a16:creationId xmlns:a16="http://schemas.microsoft.com/office/drawing/2014/main" xmlns="" id="{D031ABB6-9E31-4CFC-8BB4-5B2097B0D13E}"/>
                 </a:ext>
               </a:extLst>
             </p:cNvPr>
@@ -17338,7 +17477,7 @@
             <p:cNvPr id="29" name="TextBox 28">
               <a:extLst>
                 <a:ext uri="{FF2B5EF4-FFF2-40B4-BE49-F238E27FC236}">
-                  <a16:creationId xmlns:a16="http://schemas.microsoft.com/office/drawing/2014/main" id="{3E88E8C9-9F5A-4C9B-ADA2-9CF72686881B}"/>
+                  <a16:creationId xmlns:a16="http://schemas.microsoft.com/office/drawing/2014/main" xmlns="" id="{3E88E8C9-9F5A-4C9B-ADA2-9CF72686881B}"/>
                 </a:ext>
               </a:extLst>
             </p:cNvPr>
@@ -17403,7 +17542,7 @@
             <p:cNvPr id="30" name="TextBox 29">
               <a:extLst>
                 <a:ext uri="{FF2B5EF4-FFF2-40B4-BE49-F238E27FC236}">
-                  <a16:creationId xmlns:a16="http://schemas.microsoft.com/office/drawing/2014/main" id="{2256E0FD-AF18-4585-82BE-F28E0BFE6EBF}"/>
+                  <a16:creationId xmlns:a16="http://schemas.microsoft.com/office/drawing/2014/main" xmlns="" id="{2256E0FD-AF18-4585-82BE-F28E0BFE6EBF}"/>
                 </a:ext>
               </a:extLst>
             </p:cNvPr>
@@ -17468,7 +17607,7 @@
             <p:cNvPr id="31" name="TextBox 30">
               <a:extLst>
                 <a:ext uri="{FF2B5EF4-FFF2-40B4-BE49-F238E27FC236}">
-                  <a16:creationId xmlns:a16="http://schemas.microsoft.com/office/drawing/2014/main" id="{98CF683C-F812-40AB-ACCE-AFDE8415C53A}"/>
+                  <a16:creationId xmlns:a16="http://schemas.microsoft.com/office/drawing/2014/main" xmlns="" id="{98CF683C-F812-40AB-ACCE-AFDE8415C53A}"/>
                 </a:ext>
               </a:extLst>
             </p:cNvPr>
@@ -17534,7 +17673,7 @@
           <p:cNvPr id="32" name="Slide Number Placeholder 9">
             <a:extLst>
               <a:ext uri="{FF2B5EF4-FFF2-40B4-BE49-F238E27FC236}">
-                <a16:creationId xmlns:a16="http://schemas.microsoft.com/office/drawing/2014/main" id="{49EA98FC-C2B0-43D7-BB7B-4B53F166EEF5}"/>
+                <a16:creationId xmlns:a16="http://schemas.microsoft.com/office/drawing/2014/main" xmlns="" id="{49EA98FC-C2B0-43D7-BB7B-4B53F166EEF5}"/>
               </a:ext>
             </a:extLst>
           </p:cNvPr>
@@ -17759,7 +17898,7 @@
           <p:cNvPr id="8" name="TextBox 7">
             <a:extLst>
               <a:ext uri="{FF2B5EF4-FFF2-40B4-BE49-F238E27FC236}">
-                <a16:creationId xmlns:a16="http://schemas.microsoft.com/office/drawing/2014/main" id="{056C2211-7106-4FD6-A571-CE08A366EB4F}"/>
+                <a16:creationId xmlns:a16="http://schemas.microsoft.com/office/drawing/2014/main" xmlns="" id="{056C2211-7106-4FD6-A571-CE08A366EB4F}"/>
               </a:ext>
             </a:extLst>
           </p:cNvPr>
@@ -17808,7 +17947,7 @@
           <p:cNvPr id="9" name="TextBox 8">
             <a:extLst>
               <a:ext uri="{FF2B5EF4-FFF2-40B4-BE49-F238E27FC236}">
-                <a16:creationId xmlns:a16="http://schemas.microsoft.com/office/drawing/2014/main" id="{C865D008-4AC3-4DB7-B9C0-28304A44E448}"/>
+                <a16:creationId xmlns:a16="http://schemas.microsoft.com/office/drawing/2014/main" xmlns="" id="{C865D008-4AC3-4DB7-B9C0-28304A44E448}"/>
               </a:ext>
             </a:extLst>
           </p:cNvPr>
@@ -17873,7 +18012,7 @@
           <p:cNvPr id="5" name="Slide Number Placeholder 9">
             <a:extLst>
               <a:ext uri="{FF2B5EF4-FFF2-40B4-BE49-F238E27FC236}">
-                <a16:creationId xmlns:a16="http://schemas.microsoft.com/office/drawing/2014/main" id="{30504C2B-A187-4159-91ED-1725660C1B0D}"/>
+                <a16:creationId xmlns:a16="http://schemas.microsoft.com/office/drawing/2014/main" xmlns="" id="{30504C2B-A187-4159-91ED-1725660C1B0D}"/>
               </a:ext>
             </a:extLst>
           </p:cNvPr>
@@ -18101,7 +18240,7 @@
           <p:cNvPr id="8" name="TextBox 7">
             <a:extLst>
               <a:ext uri="{FF2B5EF4-FFF2-40B4-BE49-F238E27FC236}">
-                <a16:creationId xmlns:a16="http://schemas.microsoft.com/office/drawing/2014/main" id="{056C2211-7106-4FD6-A571-CE08A366EB4F}"/>
+                <a16:creationId xmlns:a16="http://schemas.microsoft.com/office/drawing/2014/main" xmlns="" id="{056C2211-7106-4FD6-A571-CE08A366EB4F}"/>
               </a:ext>
             </a:extLst>
           </p:cNvPr>
@@ -18141,7 +18280,7 @@
           <p:cNvPr id="2" name="Group 1">
             <a:extLst>
               <a:ext uri="{FF2B5EF4-FFF2-40B4-BE49-F238E27FC236}">
-                <a16:creationId xmlns:a16="http://schemas.microsoft.com/office/drawing/2014/main" id="{DC5596ED-5EA3-4234-8ED6-DD3291A8FBC9}"/>
+                <a16:creationId xmlns:a16="http://schemas.microsoft.com/office/drawing/2014/main" xmlns="" id="{DC5596ED-5EA3-4234-8ED6-DD3291A8FBC9}"/>
               </a:ext>
             </a:extLst>
           </p:cNvPr>
@@ -18161,7 +18300,7 @@
             <p:cNvPr id="5" name="Picture 4">
               <a:extLst>
                 <a:ext uri="{FF2B5EF4-FFF2-40B4-BE49-F238E27FC236}">
-                  <a16:creationId xmlns:a16="http://schemas.microsoft.com/office/drawing/2014/main" id="{CA740386-76D6-4CF5-A8B6-3FC0FD8096BA}"/>
+                  <a16:creationId xmlns:a16="http://schemas.microsoft.com/office/drawing/2014/main" xmlns="" id="{CA740386-76D6-4CF5-A8B6-3FC0FD8096BA}"/>
                 </a:ext>
               </a:extLst>
             </p:cNvPr>
@@ -18199,7 +18338,7 @@
             <p:cNvPr id="6" name="Rectangle: Rounded Corners 5">
               <a:extLst>
                 <a:ext uri="{FF2B5EF4-FFF2-40B4-BE49-F238E27FC236}">
-                  <a16:creationId xmlns:a16="http://schemas.microsoft.com/office/drawing/2014/main" id="{4DD9C999-DD9F-4785-8674-EDC1761CD287}"/>
+                  <a16:creationId xmlns:a16="http://schemas.microsoft.com/office/drawing/2014/main" xmlns="" id="{4DD9C999-DD9F-4785-8674-EDC1761CD287}"/>
                 </a:ext>
               </a:extLst>
             </p:cNvPr>
@@ -18274,7 +18413,7 @@
             <p:cNvPr id="7" name="Rectangle: Rounded Corners 6">
               <a:extLst>
                 <a:ext uri="{FF2B5EF4-FFF2-40B4-BE49-F238E27FC236}">
-                  <a16:creationId xmlns:a16="http://schemas.microsoft.com/office/drawing/2014/main" id="{4146D5BF-9B1B-4269-B11E-952EA4FAF2B3}"/>
+                  <a16:creationId xmlns:a16="http://schemas.microsoft.com/office/drawing/2014/main" xmlns="" id="{4146D5BF-9B1B-4269-B11E-952EA4FAF2B3}"/>
                 </a:ext>
               </a:extLst>
             </p:cNvPr>
@@ -18349,7 +18488,7 @@
             <p:cNvPr id="10" name="Rectangle: Rounded Corners 9">
               <a:extLst>
                 <a:ext uri="{FF2B5EF4-FFF2-40B4-BE49-F238E27FC236}">
-                  <a16:creationId xmlns:a16="http://schemas.microsoft.com/office/drawing/2014/main" id="{8463ECAB-3602-40B3-9483-FD1C95D00743}"/>
+                  <a16:creationId xmlns:a16="http://schemas.microsoft.com/office/drawing/2014/main" xmlns="" id="{8463ECAB-3602-40B3-9483-FD1C95D00743}"/>
                 </a:ext>
               </a:extLst>
             </p:cNvPr>
@@ -18424,7 +18563,7 @@
             <p:cNvPr id="11" name="Arrow: Left 10">
               <a:extLst>
                 <a:ext uri="{FF2B5EF4-FFF2-40B4-BE49-F238E27FC236}">
-                  <a16:creationId xmlns:a16="http://schemas.microsoft.com/office/drawing/2014/main" id="{58E40318-AB32-4252-B3BF-B6248B45EB3A}"/>
+                  <a16:creationId xmlns:a16="http://schemas.microsoft.com/office/drawing/2014/main" xmlns="" id="{58E40318-AB32-4252-B3BF-B6248B45EB3A}"/>
                 </a:ext>
               </a:extLst>
             </p:cNvPr>
@@ -18496,7 +18635,7 @@
             <p:cNvPr id="12" name="Arrow: Left 11">
               <a:extLst>
                 <a:ext uri="{FF2B5EF4-FFF2-40B4-BE49-F238E27FC236}">
-                  <a16:creationId xmlns:a16="http://schemas.microsoft.com/office/drawing/2014/main" id="{C3333BAB-1EF9-4D2F-8BB5-F3A296F75BB1}"/>
+                  <a16:creationId xmlns:a16="http://schemas.microsoft.com/office/drawing/2014/main" xmlns="" id="{C3333BAB-1EF9-4D2F-8BB5-F3A296F75BB1}"/>
                 </a:ext>
               </a:extLst>
             </p:cNvPr>
@@ -18568,7 +18707,7 @@
             <p:cNvPr id="13" name="Rectangle: Rounded Corners 12">
               <a:extLst>
                 <a:ext uri="{FF2B5EF4-FFF2-40B4-BE49-F238E27FC236}">
-                  <a16:creationId xmlns:a16="http://schemas.microsoft.com/office/drawing/2014/main" id="{B00DA42E-4B82-435F-A086-AA53731783F0}"/>
+                  <a16:creationId xmlns:a16="http://schemas.microsoft.com/office/drawing/2014/main" xmlns="" id="{B00DA42E-4B82-435F-A086-AA53731783F0}"/>
                 </a:ext>
               </a:extLst>
             </p:cNvPr>
@@ -18643,7 +18782,7 @@
             <p:cNvPr id="14" name="Rectangle: Rounded Corners 13">
               <a:extLst>
                 <a:ext uri="{FF2B5EF4-FFF2-40B4-BE49-F238E27FC236}">
-                  <a16:creationId xmlns:a16="http://schemas.microsoft.com/office/drawing/2014/main" id="{F971DA4A-F849-470F-8313-C0223A2EC04E}"/>
+                  <a16:creationId xmlns:a16="http://schemas.microsoft.com/office/drawing/2014/main" xmlns="" id="{F971DA4A-F849-470F-8313-C0223A2EC04E}"/>
                 </a:ext>
               </a:extLst>
             </p:cNvPr>
@@ -18719,7 +18858,7 @@
           <p:cNvPr id="15" name="Slide Number Placeholder 9">
             <a:extLst>
               <a:ext uri="{FF2B5EF4-FFF2-40B4-BE49-F238E27FC236}">
-                <a16:creationId xmlns:a16="http://schemas.microsoft.com/office/drawing/2014/main" id="{44B92F3E-9EEB-40B6-9E7E-72BB10D39728}"/>
+                <a16:creationId xmlns:a16="http://schemas.microsoft.com/office/drawing/2014/main" xmlns="" id="{44B92F3E-9EEB-40B6-9E7E-72BB10D39728}"/>
               </a:ext>
             </a:extLst>
           </p:cNvPr>
@@ -18944,7 +19083,7 @@
           <p:cNvPr id="8" name="TextBox 7">
             <a:extLst>
               <a:ext uri="{FF2B5EF4-FFF2-40B4-BE49-F238E27FC236}">
-                <a16:creationId xmlns:a16="http://schemas.microsoft.com/office/drawing/2014/main" id="{056C2211-7106-4FD6-A571-CE08A366EB4F}"/>
+                <a16:creationId xmlns:a16="http://schemas.microsoft.com/office/drawing/2014/main" xmlns="" id="{056C2211-7106-4FD6-A571-CE08A366EB4F}"/>
               </a:ext>
             </a:extLst>
           </p:cNvPr>
@@ -18984,7 +19123,7 @@
           <p:cNvPr id="15" name="Slide Number Placeholder 9">
             <a:extLst>
               <a:ext uri="{FF2B5EF4-FFF2-40B4-BE49-F238E27FC236}">
-                <a16:creationId xmlns:a16="http://schemas.microsoft.com/office/drawing/2014/main" id="{44B92F3E-9EEB-40B6-9E7E-72BB10D39728}"/>
+                <a16:creationId xmlns:a16="http://schemas.microsoft.com/office/drawing/2014/main" xmlns="" id="{44B92F3E-9EEB-40B6-9E7E-72BB10D39728}"/>
               </a:ext>
             </a:extLst>
           </p:cNvPr>
@@ -19024,7 +19163,7 @@
           <p:cNvPr id="17" name="Group 16">
             <a:extLst>
               <a:ext uri="{FF2B5EF4-FFF2-40B4-BE49-F238E27FC236}">
-                <a16:creationId xmlns:a16="http://schemas.microsoft.com/office/drawing/2014/main" id="{8786B4A8-4A57-4094-A860-7C101FA695A7}"/>
+                <a16:creationId xmlns:a16="http://schemas.microsoft.com/office/drawing/2014/main" xmlns="" id="{8786B4A8-4A57-4094-A860-7C101FA695A7}"/>
               </a:ext>
             </a:extLst>
           </p:cNvPr>
@@ -19044,7 +19183,7 @@
             <p:cNvPr id="18" name="Group 17">
               <a:extLst>
                 <a:ext uri="{FF2B5EF4-FFF2-40B4-BE49-F238E27FC236}">
-                  <a16:creationId xmlns:a16="http://schemas.microsoft.com/office/drawing/2014/main" id="{DFC82B05-F0D8-4DCE-8A07-832B312C18E5}"/>
+                  <a16:creationId xmlns:a16="http://schemas.microsoft.com/office/drawing/2014/main" xmlns="" id="{DFC82B05-F0D8-4DCE-8A07-832B312C18E5}"/>
                 </a:ext>
               </a:extLst>
             </p:cNvPr>
@@ -19064,7 +19203,7 @@
               <p:cNvPr id="25" name="Picture 24">
                 <a:extLst>
                   <a:ext uri="{FF2B5EF4-FFF2-40B4-BE49-F238E27FC236}">
-                    <a16:creationId xmlns:a16="http://schemas.microsoft.com/office/drawing/2014/main" id="{DA699233-739E-4F2C-969F-483E985C69F7}"/>
+                    <a16:creationId xmlns:a16="http://schemas.microsoft.com/office/drawing/2014/main" xmlns="" id="{DA699233-739E-4F2C-969F-483E985C69F7}"/>
                   </a:ext>
                 </a:extLst>
               </p:cNvPr>
@@ -19102,7 +19241,7 @@
               <p:cNvPr id="26" name="Group 25">
                 <a:extLst>
                   <a:ext uri="{FF2B5EF4-FFF2-40B4-BE49-F238E27FC236}">
-                    <a16:creationId xmlns:a16="http://schemas.microsoft.com/office/drawing/2014/main" id="{9A1C890F-65F1-41AD-B4A3-84982A70A801}"/>
+                    <a16:creationId xmlns:a16="http://schemas.microsoft.com/office/drawing/2014/main" xmlns="" id="{9A1C890F-65F1-41AD-B4A3-84982A70A801}"/>
                   </a:ext>
                 </a:extLst>
               </p:cNvPr>
@@ -19122,7 +19261,7 @@
                 <p:cNvPr id="33" name="TextBox 32">
                   <a:extLst>
                     <a:ext uri="{FF2B5EF4-FFF2-40B4-BE49-F238E27FC236}">
-                      <a16:creationId xmlns:a16="http://schemas.microsoft.com/office/drawing/2014/main" id="{7FCE8666-C9CE-4A86-86C3-B346C19F5E5F}"/>
+                      <a16:creationId xmlns:a16="http://schemas.microsoft.com/office/drawing/2014/main" xmlns="" id="{7FCE8666-C9CE-4A86-86C3-B346C19F5E5F}"/>
                     </a:ext>
                   </a:extLst>
                 </p:cNvPr>
@@ -19163,7 +19302,7 @@
                 <p:cNvPr id="34" name="Straight Arrow Connector 33">
                   <a:extLst>
                     <a:ext uri="{FF2B5EF4-FFF2-40B4-BE49-F238E27FC236}">
-                      <a16:creationId xmlns:a16="http://schemas.microsoft.com/office/drawing/2014/main" id="{E4C670F9-3B82-47B6-BC68-1BA92E8D8B51}"/>
+                      <a16:creationId xmlns:a16="http://schemas.microsoft.com/office/drawing/2014/main" xmlns="" id="{E4C670F9-3B82-47B6-BC68-1BA92E8D8B51}"/>
                     </a:ext>
                   </a:extLst>
                 </p:cNvPr>
@@ -19208,7 +19347,7 @@
               <p:cNvPr id="27" name="TextBox 26">
                 <a:extLst>
                   <a:ext uri="{FF2B5EF4-FFF2-40B4-BE49-F238E27FC236}">
-                    <a16:creationId xmlns:a16="http://schemas.microsoft.com/office/drawing/2014/main" id="{34918CE3-0FC0-453A-9811-AB3803B29CAE}"/>
+                    <a16:creationId xmlns:a16="http://schemas.microsoft.com/office/drawing/2014/main" xmlns="" id="{34918CE3-0FC0-453A-9811-AB3803B29CAE}"/>
                   </a:ext>
                 </a:extLst>
               </p:cNvPr>
@@ -19249,7 +19388,7 @@
               <p:cNvPr id="28" name="TextBox 27">
                 <a:extLst>
                   <a:ext uri="{FF2B5EF4-FFF2-40B4-BE49-F238E27FC236}">
-                    <a16:creationId xmlns:a16="http://schemas.microsoft.com/office/drawing/2014/main" id="{E464F182-67C3-40FC-8E8D-B906198213E7}"/>
+                    <a16:creationId xmlns:a16="http://schemas.microsoft.com/office/drawing/2014/main" xmlns="" id="{E464F182-67C3-40FC-8E8D-B906198213E7}"/>
                   </a:ext>
                 </a:extLst>
               </p:cNvPr>
@@ -19290,7 +19429,7 @@
               <p:cNvPr id="29" name="TextBox 28">
                 <a:extLst>
                   <a:ext uri="{FF2B5EF4-FFF2-40B4-BE49-F238E27FC236}">
-                    <a16:creationId xmlns:a16="http://schemas.microsoft.com/office/drawing/2014/main" id="{FD07875B-9B31-41E7-AAAC-ED0169B032C4}"/>
+                    <a16:creationId xmlns:a16="http://schemas.microsoft.com/office/drawing/2014/main" xmlns="" id="{FD07875B-9B31-41E7-AAAC-ED0169B032C4}"/>
                   </a:ext>
                 </a:extLst>
               </p:cNvPr>
@@ -19331,7 +19470,7 @@
               <p:cNvPr id="30" name="TextBox 29">
                 <a:extLst>
                   <a:ext uri="{FF2B5EF4-FFF2-40B4-BE49-F238E27FC236}">
-                    <a16:creationId xmlns:a16="http://schemas.microsoft.com/office/drawing/2014/main" id="{EB57AA94-745E-4732-9700-707DE91E451C}"/>
+                    <a16:creationId xmlns:a16="http://schemas.microsoft.com/office/drawing/2014/main" xmlns="" id="{EB57AA94-745E-4732-9700-707DE91E451C}"/>
                   </a:ext>
                 </a:extLst>
               </p:cNvPr>
@@ -19372,7 +19511,7 @@
               <p:cNvPr id="31" name="TextBox 30">
                 <a:extLst>
                   <a:ext uri="{FF2B5EF4-FFF2-40B4-BE49-F238E27FC236}">
-                    <a16:creationId xmlns:a16="http://schemas.microsoft.com/office/drawing/2014/main" id="{065274FE-CB06-4272-A509-7A78193AFC29}"/>
+                    <a16:creationId xmlns:a16="http://schemas.microsoft.com/office/drawing/2014/main" xmlns="" id="{065274FE-CB06-4272-A509-7A78193AFC29}"/>
                   </a:ext>
                 </a:extLst>
               </p:cNvPr>
@@ -19413,7 +19552,7 @@
               <p:cNvPr id="32" name="TextBox 31">
                 <a:extLst>
                   <a:ext uri="{FF2B5EF4-FFF2-40B4-BE49-F238E27FC236}">
-                    <a16:creationId xmlns:a16="http://schemas.microsoft.com/office/drawing/2014/main" id="{89AF5FEF-B615-4686-9057-7D86C85C5000}"/>
+                    <a16:creationId xmlns:a16="http://schemas.microsoft.com/office/drawing/2014/main" xmlns="" id="{89AF5FEF-B615-4686-9057-7D86C85C5000}"/>
                   </a:ext>
                 </a:extLst>
               </p:cNvPr>
@@ -19455,7 +19594,7 @@
             <p:cNvPr id="19" name="Star: 5 Points 18">
               <a:extLst>
                 <a:ext uri="{FF2B5EF4-FFF2-40B4-BE49-F238E27FC236}">
-                  <a16:creationId xmlns:a16="http://schemas.microsoft.com/office/drawing/2014/main" id="{AC28BB4D-59F4-42FC-8CE4-1A5D1B5D422A}"/>
+                  <a16:creationId xmlns:a16="http://schemas.microsoft.com/office/drawing/2014/main" xmlns="" id="{AC28BB4D-59F4-42FC-8CE4-1A5D1B5D422A}"/>
                 </a:ext>
               </a:extLst>
             </p:cNvPr>
@@ -19530,7 +19669,7 @@
             <p:cNvPr id="20" name="Straight Arrow Connector 19">
               <a:extLst>
                 <a:ext uri="{FF2B5EF4-FFF2-40B4-BE49-F238E27FC236}">
-                  <a16:creationId xmlns:a16="http://schemas.microsoft.com/office/drawing/2014/main" id="{EEB03D3B-4A48-47A0-91FD-73519711BE6B}"/>
+                  <a16:creationId xmlns:a16="http://schemas.microsoft.com/office/drawing/2014/main" xmlns="" id="{EEB03D3B-4A48-47A0-91FD-73519711BE6B}"/>
                 </a:ext>
               </a:extLst>
             </p:cNvPr>
@@ -19572,7 +19711,7 @@
             <p:cNvPr id="21" name="Explosion: 8 Points 20">
               <a:extLst>
                 <a:ext uri="{FF2B5EF4-FFF2-40B4-BE49-F238E27FC236}">
-                  <a16:creationId xmlns:a16="http://schemas.microsoft.com/office/drawing/2014/main" id="{AF659280-9BFD-4BC1-9E8A-2FFC55873355}"/>
+                  <a16:creationId xmlns:a16="http://schemas.microsoft.com/office/drawing/2014/main" xmlns="" id="{AF659280-9BFD-4BC1-9E8A-2FFC55873355}"/>
                 </a:ext>
               </a:extLst>
             </p:cNvPr>
@@ -19647,7 +19786,7 @@
             <p:cNvPr id="22" name="TextBox 21">
               <a:extLst>
                 <a:ext uri="{FF2B5EF4-FFF2-40B4-BE49-F238E27FC236}">
-                  <a16:creationId xmlns:a16="http://schemas.microsoft.com/office/drawing/2014/main" id="{C3781E09-6CD0-4207-AF66-137682E07DA1}"/>
+                  <a16:creationId xmlns:a16="http://schemas.microsoft.com/office/drawing/2014/main" xmlns="" id="{C3781E09-6CD0-4207-AF66-137682E07DA1}"/>
                 </a:ext>
               </a:extLst>
             </p:cNvPr>
@@ -19706,7 +19845,7 @@
             <p:cNvPr id="23" name="TextBox 22">
               <a:extLst>
                 <a:ext uri="{FF2B5EF4-FFF2-40B4-BE49-F238E27FC236}">
-                  <a16:creationId xmlns:a16="http://schemas.microsoft.com/office/drawing/2014/main" id="{9C180F0F-BF8E-4E19-9B46-014B5EBB7770}"/>
+                  <a16:creationId xmlns:a16="http://schemas.microsoft.com/office/drawing/2014/main" xmlns="" id="{9C180F0F-BF8E-4E19-9B46-014B5EBB7770}"/>
                 </a:ext>
               </a:extLst>
             </p:cNvPr>
@@ -19765,7 +19904,7 @@
             <p:cNvPr id="24" name="TextBox 23">
               <a:extLst>
                 <a:ext uri="{FF2B5EF4-FFF2-40B4-BE49-F238E27FC236}">
-                  <a16:creationId xmlns:a16="http://schemas.microsoft.com/office/drawing/2014/main" id="{F7984E2A-DC0C-4437-A5CD-A6423DB30672}"/>
+                  <a16:creationId xmlns:a16="http://schemas.microsoft.com/office/drawing/2014/main" xmlns="" id="{F7984E2A-DC0C-4437-A5CD-A6423DB30672}"/>
                 </a:ext>
               </a:extLst>
             </p:cNvPr>
@@ -19992,7 +20131,7 @@
           <p:cNvPr id="15" name="Slide Number Placeholder 9">
             <a:extLst>
               <a:ext uri="{FF2B5EF4-FFF2-40B4-BE49-F238E27FC236}">
-                <a16:creationId xmlns:a16="http://schemas.microsoft.com/office/drawing/2014/main" id="{44B92F3E-9EEB-40B6-9E7E-72BB10D39728}"/>
+                <a16:creationId xmlns:a16="http://schemas.microsoft.com/office/drawing/2014/main" xmlns="" id="{44B92F3E-9EEB-40B6-9E7E-72BB10D39728}"/>
               </a:ext>
             </a:extLst>
           </p:cNvPr>
@@ -20032,7 +20171,7 @@
           <p:cNvPr id="4" name="TextBox 3">
             <a:extLst>
               <a:ext uri="{FF2B5EF4-FFF2-40B4-BE49-F238E27FC236}">
-                <a16:creationId xmlns:a16="http://schemas.microsoft.com/office/drawing/2014/main" id="{ACC3DC44-5098-4143-9D10-0CEFCBA0F398}"/>
+                <a16:creationId xmlns:a16="http://schemas.microsoft.com/office/drawing/2014/main" xmlns="" id="{ACC3DC44-5098-4143-9D10-0CEFCBA0F398}"/>
               </a:ext>
             </a:extLst>
           </p:cNvPr>
@@ -20072,7 +20211,7 @@
           <p:cNvPr id="5" name="Picture 4">
             <a:extLst>
               <a:ext uri="{FF2B5EF4-FFF2-40B4-BE49-F238E27FC236}">
-                <a16:creationId xmlns:a16="http://schemas.microsoft.com/office/drawing/2014/main" id="{BC37393B-FB11-4E4A-ACF2-BEFB81194AC9}"/>
+                <a16:creationId xmlns:a16="http://schemas.microsoft.com/office/drawing/2014/main" xmlns="" id="{BC37393B-FB11-4E4A-ACF2-BEFB81194AC9}"/>
               </a:ext>
             </a:extLst>
           </p:cNvPr>
@@ -20107,7 +20246,7 @@
           <p:cNvPr id="6" name="TextBox 5">
             <a:extLst>
               <a:ext uri="{FF2B5EF4-FFF2-40B4-BE49-F238E27FC236}">
-                <a16:creationId xmlns:a16="http://schemas.microsoft.com/office/drawing/2014/main" id="{6DB6B3FD-F8D8-40B8-9FFE-D5F6B0F26BED}"/>
+                <a16:creationId xmlns:a16="http://schemas.microsoft.com/office/drawing/2014/main" xmlns="" id="{6DB6B3FD-F8D8-40B8-9FFE-D5F6B0F26BED}"/>
               </a:ext>
             </a:extLst>
           </p:cNvPr>
@@ -20142,7 +20281,7 @@
           <p:cNvPr id="7" name="Picture 6">
             <a:extLst>
               <a:ext uri="{FF2B5EF4-FFF2-40B4-BE49-F238E27FC236}">
-                <a16:creationId xmlns:a16="http://schemas.microsoft.com/office/drawing/2014/main" id="{83CA0A79-4C49-4F8B-A1C0-831E90E22093}"/>
+                <a16:creationId xmlns:a16="http://schemas.microsoft.com/office/drawing/2014/main" xmlns="" id="{83CA0A79-4C49-4F8B-A1C0-831E90E22093}"/>
               </a:ext>
             </a:extLst>
           </p:cNvPr>
@@ -20177,7 +20316,7 @@
           <p:cNvPr id="8" name="TextBox 7">
             <a:extLst>
               <a:ext uri="{FF2B5EF4-FFF2-40B4-BE49-F238E27FC236}">
-                <a16:creationId xmlns:a16="http://schemas.microsoft.com/office/drawing/2014/main" id="{8E8C8903-F40E-4CFD-B2B6-978A49C110B8}"/>
+                <a16:creationId xmlns:a16="http://schemas.microsoft.com/office/drawing/2014/main" xmlns="" id="{8E8C8903-F40E-4CFD-B2B6-978A49C110B8}"/>
               </a:ext>
             </a:extLst>
           </p:cNvPr>
@@ -20212,7 +20351,7 @@
           <p:cNvPr id="9" name="Picture 8">
             <a:extLst>
               <a:ext uri="{FF2B5EF4-FFF2-40B4-BE49-F238E27FC236}">
-                <a16:creationId xmlns:a16="http://schemas.microsoft.com/office/drawing/2014/main" id="{E5E2DE15-FEF7-4106-81BD-991C8CDCF7A6}"/>
+                <a16:creationId xmlns:a16="http://schemas.microsoft.com/office/drawing/2014/main" xmlns="" id="{E5E2DE15-FEF7-4106-81BD-991C8CDCF7A6}"/>
               </a:ext>
             </a:extLst>
           </p:cNvPr>
@@ -20247,7 +20386,7 @@
           <p:cNvPr id="10" name="TextBox 9">
             <a:extLst>
               <a:ext uri="{FF2B5EF4-FFF2-40B4-BE49-F238E27FC236}">
-                <a16:creationId xmlns:a16="http://schemas.microsoft.com/office/drawing/2014/main" id="{D248B40A-ED6A-41A9-9DDF-39890DF32F1C}"/>
+                <a16:creationId xmlns:a16="http://schemas.microsoft.com/office/drawing/2014/main" xmlns="" id="{D248B40A-ED6A-41A9-9DDF-39890DF32F1C}"/>
               </a:ext>
             </a:extLst>
           </p:cNvPr>
@@ -20282,7 +20421,7 @@
           <p:cNvPr id="11" name="Picture 10">
             <a:extLst>
               <a:ext uri="{FF2B5EF4-FFF2-40B4-BE49-F238E27FC236}">
-                <a16:creationId xmlns:a16="http://schemas.microsoft.com/office/drawing/2014/main" id="{68054F25-DC15-4D09-8598-23A482A13D00}"/>
+                <a16:creationId xmlns:a16="http://schemas.microsoft.com/office/drawing/2014/main" xmlns="" id="{68054F25-DC15-4D09-8598-23A482A13D00}"/>
               </a:ext>
             </a:extLst>
           </p:cNvPr>
@@ -20317,7 +20456,7 @@
           <p:cNvPr id="12" name="TextBox 11">
             <a:extLst>
               <a:ext uri="{FF2B5EF4-FFF2-40B4-BE49-F238E27FC236}">
-                <a16:creationId xmlns:a16="http://schemas.microsoft.com/office/drawing/2014/main" id="{0ABC1BE0-5236-45BD-91A2-D0D661C444D1}"/>
+                <a16:creationId xmlns:a16="http://schemas.microsoft.com/office/drawing/2014/main" xmlns="" id="{0ABC1BE0-5236-45BD-91A2-D0D661C444D1}"/>
               </a:ext>
             </a:extLst>
           </p:cNvPr>
@@ -20408,7 +20547,7 @@
           <p:cNvPr id="8" name="TextBox 7">
             <a:extLst>
               <a:ext uri="{FF2B5EF4-FFF2-40B4-BE49-F238E27FC236}">
-                <a16:creationId xmlns:a16="http://schemas.microsoft.com/office/drawing/2014/main" id="{056C2211-7106-4FD6-A571-CE08A366EB4F}"/>
+                <a16:creationId xmlns:a16="http://schemas.microsoft.com/office/drawing/2014/main" xmlns="" id="{056C2211-7106-4FD6-A571-CE08A366EB4F}"/>
               </a:ext>
             </a:extLst>
           </p:cNvPr>
@@ -20457,7 +20596,7 @@
           <p:cNvPr id="15" name="Slide Number Placeholder 9">
             <a:extLst>
               <a:ext uri="{FF2B5EF4-FFF2-40B4-BE49-F238E27FC236}">
-                <a16:creationId xmlns:a16="http://schemas.microsoft.com/office/drawing/2014/main" id="{44B92F3E-9EEB-40B6-9E7E-72BB10D39728}"/>
+                <a16:creationId xmlns:a16="http://schemas.microsoft.com/office/drawing/2014/main" xmlns="" id="{44B92F3E-9EEB-40B6-9E7E-72BB10D39728}"/>
               </a:ext>
             </a:extLst>
           </p:cNvPr>
@@ -20497,7 +20636,7 @@
           <p:cNvPr id="35" name="Picture 34">
             <a:extLst>
               <a:ext uri="{FF2B5EF4-FFF2-40B4-BE49-F238E27FC236}">
-                <a16:creationId xmlns:a16="http://schemas.microsoft.com/office/drawing/2014/main" id="{EED961EB-F76C-48D5-80C5-E30EF70227FC}"/>
+                <a16:creationId xmlns:a16="http://schemas.microsoft.com/office/drawing/2014/main" xmlns="" id="{EED961EB-F76C-48D5-80C5-E30EF70227FC}"/>
               </a:ext>
             </a:extLst>
           </p:cNvPr>
@@ -20535,7 +20674,7 @@
           <p:cNvPr id="36" name="TextBox 35">
             <a:extLst>
               <a:ext uri="{FF2B5EF4-FFF2-40B4-BE49-F238E27FC236}">
-                <a16:creationId xmlns:a16="http://schemas.microsoft.com/office/drawing/2014/main" id="{36C249EF-5E53-4225-A7EC-E674E65A51A8}"/>
+                <a16:creationId xmlns:a16="http://schemas.microsoft.com/office/drawing/2014/main" xmlns="" id="{36C249EF-5E53-4225-A7EC-E674E65A51A8}"/>
               </a:ext>
             </a:extLst>
           </p:cNvPr>
